--- a/Team Sunshine/Team Sunshine Roadmap.pptx
+++ b/Team Sunshine/Team Sunshine Roadmap.pptx
@@ -2000,7 +2000,7 @@
   <p:cSld>
     <p:spTree>
       <p:nvGrpSpPr>
-        <p:cNvPr id="172" name="Shape 172"/>
+        <p:cNvPr id="171" name="Shape 171"/>
         <p:cNvGrpSpPr/>
         <p:nvPr/>
       </p:nvGrpSpPr>
@@ -2014,7 +2014,7 @@
       </p:grpSpPr>
       <p:sp>
         <p:nvSpPr>
-          <p:cNvPr id="173" name="Shape 173"/>
+          <p:cNvPr id="172" name="Shape 172"/>
           <p:cNvSpPr/>
           <p:nvPr>
             <p:ph idx="2" type="sldImg"/>
@@ -2048,7 +2048,7 @@
       </p:sp>
       <p:sp>
         <p:nvSpPr>
-          <p:cNvPr id="174" name="Shape 174"/>
+          <p:cNvPr id="173" name="Shape 173"/>
           <p:cNvSpPr txBox="1"/>
           <p:nvPr>
             <p:ph idx="1" type="body"/>
@@ -2095,7 +2095,7 @@
   <p:cSld>
     <p:spTree>
       <p:nvGrpSpPr>
-        <p:cNvPr id="179" name="Shape 179"/>
+        <p:cNvPr id="178" name="Shape 178"/>
         <p:cNvGrpSpPr/>
         <p:nvPr/>
       </p:nvGrpSpPr>
@@ -2109,7 +2109,7 @@
       </p:grpSpPr>
       <p:sp>
         <p:nvSpPr>
-          <p:cNvPr id="180" name="Shape 180"/>
+          <p:cNvPr id="179" name="Shape 179"/>
           <p:cNvSpPr/>
           <p:nvPr>
             <p:ph idx="2" type="sldImg"/>
@@ -2143,7 +2143,7 @@
       </p:sp>
       <p:sp>
         <p:nvSpPr>
-          <p:cNvPr id="181" name="Shape 181"/>
+          <p:cNvPr id="180" name="Shape 180"/>
           <p:cNvSpPr txBox="1"/>
           <p:nvPr>
             <p:ph idx="1" type="body"/>
@@ -2190,7 +2190,7 @@
   <p:cSld>
     <p:spTree>
       <p:nvGrpSpPr>
-        <p:cNvPr id="186" name="Shape 186"/>
+        <p:cNvPr id="188" name="Shape 188"/>
         <p:cNvGrpSpPr/>
         <p:nvPr/>
       </p:nvGrpSpPr>
@@ -2204,7 +2204,7 @@
       </p:grpSpPr>
       <p:sp>
         <p:nvSpPr>
-          <p:cNvPr id="187" name="Shape 187"/>
+          <p:cNvPr id="189" name="Shape 189"/>
           <p:cNvSpPr/>
           <p:nvPr>
             <p:ph idx="2" type="sldImg"/>
@@ -2238,7 +2238,7 @@
       </p:sp>
       <p:sp>
         <p:nvSpPr>
-          <p:cNvPr id="188" name="Shape 188"/>
+          <p:cNvPr id="190" name="Shape 190"/>
           <p:cNvSpPr txBox="1"/>
           <p:nvPr>
             <p:ph idx="1" type="body"/>
@@ -2285,7 +2285,7 @@
   <p:cSld>
     <p:spTree>
       <p:nvGrpSpPr>
-        <p:cNvPr id="193" name="Shape 193"/>
+        <p:cNvPr id="201" name="Shape 201"/>
         <p:cNvGrpSpPr/>
         <p:nvPr/>
       </p:nvGrpSpPr>
@@ -2299,7 +2299,7 @@
       </p:grpSpPr>
       <p:sp>
         <p:nvSpPr>
-          <p:cNvPr id="194" name="Shape 194"/>
+          <p:cNvPr id="202" name="Shape 202"/>
           <p:cNvSpPr/>
           <p:nvPr>
             <p:ph idx="2" type="sldImg"/>
@@ -2333,7 +2333,7 @@
       </p:sp>
       <p:sp>
         <p:nvSpPr>
-          <p:cNvPr id="195" name="Shape 195"/>
+          <p:cNvPr id="203" name="Shape 203"/>
           <p:cNvSpPr txBox="1"/>
           <p:nvPr>
             <p:ph idx="1" type="body"/>
@@ -2380,7 +2380,7 @@
   <p:cSld>
     <p:spTree>
       <p:nvGrpSpPr>
-        <p:cNvPr id="199" name="Shape 199"/>
+        <p:cNvPr id="208" name="Shape 208"/>
         <p:cNvGrpSpPr/>
         <p:nvPr/>
       </p:nvGrpSpPr>
@@ -2394,7 +2394,7 @@
       </p:grpSpPr>
       <p:sp>
         <p:nvSpPr>
-          <p:cNvPr id="200" name="Shape 200"/>
+          <p:cNvPr id="209" name="Shape 209"/>
           <p:cNvSpPr/>
           <p:nvPr>
             <p:ph idx="2" type="sldImg"/>
@@ -2428,7 +2428,7 @@
       </p:sp>
       <p:sp>
         <p:nvSpPr>
-          <p:cNvPr id="201" name="Shape 201"/>
+          <p:cNvPr id="210" name="Shape 210"/>
           <p:cNvSpPr txBox="1"/>
           <p:nvPr>
             <p:ph idx="1" type="body"/>
@@ -2475,7 +2475,7 @@
   <p:cSld>
     <p:spTree>
       <p:nvGrpSpPr>
-        <p:cNvPr id="206" name="Shape 206"/>
+        <p:cNvPr id="215" name="Shape 215"/>
         <p:cNvGrpSpPr/>
         <p:nvPr/>
       </p:nvGrpSpPr>
@@ -2489,7 +2489,7 @@
       </p:grpSpPr>
       <p:sp>
         <p:nvSpPr>
-          <p:cNvPr id="207" name="Shape 207"/>
+          <p:cNvPr id="216" name="Shape 216"/>
           <p:cNvSpPr/>
           <p:nvPr>
             <p:ph idx="2" type="sldImg"/>
@@ -2523,7 +2523,7 @@
       </p:sp>
       <p:sp>
         <p:nvSpPr>
-          <p:cNvPr id="208" name="Shape 208"/>
+          <p:cNvPr id="217" name="Shape 217"/>
           <p:cNvSpPr txBox="1"/>
           <p:nvPr>
             <p:ph idx="1" type="body"/>
@@ -2544,7 +2544,7 @@
           </a:bodyPr>
           <a:lstStyle/>
           <a:p>
-            <a:pPr lvl="0">
+            <a:pPr lvl="0" rtl="0">
               <a:spcBef>
                 <a:spcPts val="0"/>
               </a:spcBef>
@@ -2570,7 +2570,7 @@
   <p:cSld>
     <p:spTree>
       <p:nvGrpSpPr>
-        <p:cNvPr id="216" name="Shape 216"/>
+        <p:cNvPr id="222" name="Shape 222"/>
         <p:cNvGrpSpPr/>
         <p:nvPr/>
       </p:nvGrpSpPr>
@@ -2584,7 +2584,7 @@
       </p:grpSpPr>
       <p:sp>
         <p:nvSpPr>
-          <p:cNvPr id="217" name="Shape 217"/>
+          <p:cNvPr id="223" name="Shape 223"/>
           <p:cNvSpPr/>
           <p:nvPr>
             <p:ph idx="2" type="sldImg"/>
@@ -2618,7 +2618,7 @@
       </p:sp>
       <p:sp>
         <p:nvSpPr>
-          <p:cNvPr id="218" name="Shape 218"/>
+          <p:cNvPr id="224" name="Shape 224"/>
           <p:cNvSpPr txBox="1"/>
           <p:nvPr>
             <p:ph idx="1" type="body"/>
@@ -4321,7 +4321,7 @@
           </a:bodyPr>
           <a:lstStyle/>
           <a:p>
-            <a:pPr lvl="0">
+            <a:pPr lvl="0" rtl="0">
               <a:spcBef>
                 <a:spcPts val="0"/>
               </a:spcBef>
@@ -15059,7 +15059,670 @@
   <p:cSld>
     <p:spTree>
       <p:nvGrpSpPr>
-        <p:cNvPr id="175" name="Shape 175"/>
+        <p:cNvPr id="174" name="Shape 174"/>
+        <p:cNvGrpSpPr/>
+        <p:nvPr/>
+      </p:nvGrpSpPr>
+      <p:grpSpPr>
+        <a:xfrm>
+          <a:off x="0" y="0"/>
+          <a:ext cx="0" cy="0"/>
+          <a:chOff x="0" y="0"/>
+          <a:chExt cx="0" cy="0"/>
+        </a:xfrm>
+      </p:grpSpPr>
+      <p:pic>
+        <p:nvPicPr>
+          <p:cNvPr descr="man_phone.jpg" id="175" name="Shape 175"/>
+          <p:cNvPicPr preferRelativeResize="0"/>
+          <p:nvPr/>
+        </p:nvPicPr>
+        <p:blipFill>
+          <a:blip r:embed="rId3">
+            <a:alphaModFix/>
+          </a:blip>
+          <a:stretch>
+            <a:fillRect/>
+          </a:stretch>
+        </p:blipFill>
+        <p:spPr>
+          <a:xfrm>
+            <a:off x="719975" y="1656174"/>
+            <a:ext cx="2559275" cy="3838925"/>
+          </a:xfrm>
+          <a:prstGeom prst="rect">
+            <a:avLst/>
+          </a:prstGeom>
+          <a:noFill/>
+          <a:ln>
+            <a:noFill/>
+          </a:ln>
+        </p:spPr>
+      </p:pic>
+      <p:pic>
+        <p:nvPicPr>
+          <p:cNvPr id="176" name="Shape 176"/>
+          <p:cNvPicPr preferRelativeResize="0"/>
+          <p:nvPr/>
+        </p:nvPicPr>
+        <p:blipFill>
+          <a:blip r:embed="rId4">
+            <a:alphaModFix/>
+          </a:blip>
+          <a:stretch>
+            <a:fillRect/>
+          </a:stretch>
+        </p:blipFill>
+        <p:spPr>
+          <a:xfrm>
+            <a:off x="0" y="212925"/>
+            <a:ext cx="1724750" cy="985575"/>
+          </a:xfrm>
+          <a:prstGeom prst="rect">
+            <a:avLst/>
+          </a:prstGeom>
+          <a:noFill/>
+          <a:ln>
+            <a:noFill/>
+          </a:ln>
+        </p:spPr>
+      </p:pic>
+      <p:sp>
+        <p:nvSpPr>
+          <p:cNvPr id="177" name="Shape 177"/>
+          <p:cNvSpPr txBox="1"/>
+          <p:nvPr>
+            <p:ph type="title"/>
+          </p:nvPr>
+        </p:nvSpPr>
+        <p:spPr>
+          <a:xfrm>
+            <a:off x="1174800" y="212925"/>
+            <a:ext cx="7099200" cy="1198800"/>
+          </a:xfrm>
+          <a:prstGeom prst="rect">
+            <a:avLst/>
+          </a:prstGeom>
+        </p:spPr>
+        <p:txBody>
+          <a:bodyPr anchorCtr="0" anchor="b" bIns="91425" lIns="91425" rIns="91425" tIns="91425">
+            <a:noAutofit/>
+          </a:bodyPr>
+          <a:lstStyle/>
+          <a:p>
+            <a:pPr lvl="0" rtl="0" algn="ctr">
+              <a:spcBef>
+                <a:spcPts val="0"/>
+              </a:spcBef>
+              <a:buNone/>
+            </a:pPr>
+            <a:r>
+              <a:rPr lang="en-US" sz="3600">
+                <a:solidFill>
+                  <a:srgbClr val="000000"/>
+                </a:solidFill>
+              </a:rPr>
+              <a:t>Use Case 3:</a:t>
+            </a:r>
+          </a:p>
+          <a:p>
+            <a:pPr lvl="0" rtl="0" algn="ctr">
+              <a:spcBef>
+                <a:spcPts val="0"/>
+              </a:spcBef>
+              <a:buNone/>
+            </a:pPr>
+            <a:r>
+              <a:rPr lang="en-US" sz="3600">
+                <a:solidFill>
+                  <a:srgbClr val="000000"/>
+                </a:solidFill>
+              </a:rPr>
+              <a:t>Flight Status Prediction</a:t>
+            </a:r>
+          </a:p>
+        </p:txBody>
+      </p:sp>
+    </p:spTree>
+  </p:cSld>
+  <p:clrMapOvr>
+    <a:masterClrMapping/>
+  </p:clrMapOvr>
+</p:sld>
+</file>
+
+<file path=ppt/slides/slide11.xml><?xml version="1.0" encoding="utf-8"?>
+<p:sld xmlns:a="http://schemas.openxmlformats.org/drawingml/2006/main" xmlns:r="http://schemas.openxmlformats.org/officeDocument/2006/relationships" xmlns:mc="http://schemas.openxmlformats.org/markup-compatibility/2006" xmlns:mv="urn:schemas-microsoft-com:mac:vml" xmlns:p="http://schemas.openxmlformats.org/presentationml/2006/main" xmlns:c="http://schemas.openxmlformats.org/drawingml/2006/chart" xmlns:dgm="http://schemas.openxmlformats.org/drawingml/2006/diagram" xmlns:o="urn:schemas-microsoft-com:office:office" xmlns:v="urn:schemas-microsoft-com:vml" xmlns:pvml="urn:schemas-microsoft-com:office:powerpoint" xmlns:com="http://schemas.openxmlformats.org/drawingml/2006/compatibility" xmlns:p14="http://schemas.microsoft.com/office/powerpoint/2010/main">
+  <p:cSld>
+    <p:spTree>
+      <p:nvGrpSpPr>
+        <p:cNvPr id="181" name="Shape 181"/>
+        <p:cNvGrpSpPr/>
+        <p:nvPr/>
+      </p:nvGrpSpPr>
+      <p:grpSpPr>
+        <a:xfrm>
+          <a:off x="0" y="0"/>
+          <a:ext cx="0" cy="0"/>
+          <a:chOff x="0" y="0"/>
+          <a:chExt cx="0" cy="0"/>
+        </a:xfrm>
+      </p:grpSpPr>
+      <p:pic>
+        <p:nvPicPr>
+          <p:cNvPr descr="man_phone.jpg" id="182" name="Shape 182"/>
+          <p:cNvPicPr preferRelativeResize="0"/>
+          <p:nvPr/>
+        </p:nvPicPr>
+        <p:blipFill>
+          <a:blip r:embed="rId3">
+            <a:alphaModFix/>
+          </a:blip>
+          <a:stretch>
+            <a:fillRect/>
+          </a:stretch>
+        </p:blipFill>
+        <p:spPr>
+          <a:xfrm>
+            <a:off x="719975" y="1656174"/>
+            <a:ext cx="2559275" cy="3838925"/>
+          </a:xfrm>
+          <a:prstGeom prst="rect">
+            <a:avLst/>
+          </a:prstGeom>
+          <a:noFill/>
+          <a:ln>
+            <a:noFill/>
+          </a:ln>
+        </p:spPr>
+      </p:pic>
+      <p:pic>
+        <p:nvPicPr>
+          <p:cNvPr descr="hilton.png" id="183" name="Shape 183"/>
+          <p:cNvPicPr preferRelativeResize="0"/>
+          <p:nvPr/>
+        </p:nvPicPr>
+        <p:blipFill>
+          <a:blip r:embed="rId4">
+            <a:alphaModFix/>
+          </a:blip>
+          <a:stretch>
+            <a:fillRect/>
+          </a:stretch>
+        </p:blipFill>
+        <p:spPr>
+          <a:xfrm>
+            <a:off x="3772012" y="3818174"/>
+            <a:ext cx="1904787" cy="1198900"/>
+          </a:xfrm>
+          <a:prstGeom prst="rect">
+            <a:avLst/>
+          </a:prstGeom>
+          <a:noFill/>
+          <a:ln>
+            <a:noFill/>
+          </a:ln>
+        </p:spPr>
+      </p:pic>
+      <p:pic>
+        <p:nvPicPr>
+          <p:cNvPr descr="hyatt.png" id="184" name="Shape 184"/>
+          <p:cNvPicPr preferRelativeResize="0"/>
+          <p:nvPr/>
+        </p:nvPicPr>
+        <p:blipFill>
+          <a:blip r:embed="rId5">
+            <a:alphaModFix/>
+          </a:blip>
+          <a:stretch>
+            <a:fillRect/>
+          </a:stretch>
+        </p:blipFill>
+        <p:spPr>
+          <a:xfrm>
+            <a:off x="5665437" y="3818187"/>
+            <a:ext cx="1198900" cy="1198900"/>
+          </a:xfrm>
+          <a:prstGeom prst="rect">
+            <a:avLst/>
+          </a:prstGeom>
+          <a:noFill/>
+          <a:ln>
+            <a:noFill/>
+          </a:ln>
+        </p:spPr>
+      </p:pic>
+      <p:pic>
+        <p:nvPicPr>
+          <p:cNvPr descr="holidayinn.gif" id="185" name="Shape 185"/>
+          <p:cNvPicPr preferRelativeResize="0"/>
+          <p:nvPr/>
+        </p:nvPicPr>
+        <p:blipFill>
+          <a:blip r:embed="rId6">
+            <a:alphaModFix/>
+          </a:blip>
+          <a:stretch>
+            <a:fillRect/>
+          </a:stretch>
+        </p:blipFill>
+        <p:spPr>
+          <a:xfrm>
+            <a:off x="7121737" y="3780186"/>
+            <a:ext cx="1274875" cy="1274875"/>
+          </a:xfrm>
+          <a:prstGeom prst="rect">
+            <a:avLst/>
+          </a:prstGeom>
+          <a:noFill/>
+          <a:ln>
+            <a:noFill/>
+          </a:ln>
+        </p:spPr>
+      </p:pic>
+      <p:pic>
+        <p:nvPicPr>
+          <p:cNvPr id="186" name="Shape 186"/>
+          <p:cNvPicPr preferRelativeResize="0"/>
+          <p:nvPr/>
+        </p:nvPicPr>
+        <p:blipFill>
+          <a:blip r:embed="rId7">
+            <a:alphaModFix/>
+          </a:blip>
+          <a:stretch>
+            <a:fillRect/>
+          </a:stretch>
+        </p:blipFill>
+        <p:spPr>
+          <a:xfrm>
+            <a:off x="0" y="212925"/>
+            <a:ext cx="1724750" cy="985575"/>
+          </a:xfrm>
+          <a:prstGeom prst="rect">
+            <a:avLst/>
+          </a:prstGeom>
+          <a:noFill/>
+          <a:ln>
+            <a:noFill/>
+          </a:ln>
+        </p:spPr>
+      </p:pic>
+      <p:sp>
+        <p:nvSpPr>
+          <p:cNvPr id="187" name="Shape 187"/>
+          <p:cNvSpPr txBox="1"/>
+          <p:nvPr>
+            <p:ph type="title"/>
+          </p:nvPr>
+        </p:nvSpPr>
+        <p:spPr>
+          <a:xfrm>
+            <a:off x="1174800" y="212925"/>
+            <a:ext cx="7099200" cy="1198800"/>
+          </a:xfrm>
+          <a:prstGeom prst="rect">
+            <a:avLst/>
+          </a:prstGeom>
+        </p:spPr>
+        <p:txBody>
+          <a:bodyPr anchorCtr="0" anchor="b" bIns="91425" lIns="91425" rIns="91425" tIns="91425">
+            <a:noAutofit/>
+          </a:bodyPr>
+          <a:lstStyle/>
+          <a:p>
+            <a:pPr lvl="0" rtl="0" algn="ctr">
+              <a:spcBef>
+                <a:spcPts val="0"/>
+              </a:spcBef>
+              <a:buNone/>
+            </a:pPr>
+            <a:r>
+              <a:rPr lang="en-US" sz="3600">
+                <a:solidFill>
+                  <a:srgbClr val="000000"/>
+                </a:solidFill>
+              </a:rPr>
+              <a:t>Use Case 3:</a:t>
+            </a:r>
+          </a:p>
+          <a:p>
+            <a:pPr lvl="0" rtl="0" algn="ctr">
+              <a:spcBef>
+                <a:spcPts val="0"/>
+              </a:spcBef>
+              <a:buNone/>
+            </a:pPr>
+            <a:r>
+              <a:rPr lang="en-US" sz="3600">
+                <a:solidFill>
+                  <a:srgbClr val="000000"/>
+                </a:solidFill>
+              </a:rPr>
+              <a:t>Flight Status Prediction</a:t>
+            </a:r>
+          </a:p>
+        </p:txBody>
+      </p:sp>
+    </p:spTree>
+  </p:cSld>
+  <p:clrMapOvr>
+    <a:masterClrMapping/>
+  </p:clrMapOvr>
+</p:sld>
+</file>
+
+<file path=ppt/slides/slide12.xml><?xml version="1.0" encoding="utf-8"?>
+<p:sld xmlns:a="http://schemas.openxmlformats.org/drawingml/2006/main" xmlns:r="http://schemas.openxmlformats.org/officeDocument/2006/relationships" xmlns:mc="http://schemas.openxmlformats.org/markup-compatibility/2006" xmlns:mv="urn:schemas-microsoft-com:mac:vml" xmlns:p="http://schemas.openxmlformats.org/presentationml/2006/main" xmlns:c="http://schemas.openxmlformats.org/drawingml/2006/chart" xmlns:dgm="http://schemas.openxmlformats.org/drawingml/2006/diagram" xmlns:o="urn:schemas-microsoft-com:office:office" xmlns:v="urn:schemas-microsoft-com:vml" xmlns:pvml="urn:schemas-microsoft-com:office:powerpoint" xmlns:com="http://schemas.openxmlformats.org/drawingml/2006/compatibility" xmlns:p14="http://schemas.microsoft.com/office/powerpoint/2010/main">
+  <p:cSld>
+    <p:spTree>
+      <p:nvGrpSpPr>
+        <p:cNvPr id="191" name="Shape 191"/>
+        <p:cNvGrpSpPr/>
+        <p:nvPr/>
+      </p:nvGrpSpPr>
+      <p:grpSpPr>
+        <a:xfrm>
+          <a:off x="0" y="0"/>
+          <a:ext cx="0" cy="0"/>
+          <a:chOff x="0" y="0"/>
+          <a:chExt cx="0" cy="0"/>
+        </a:xfrm>
+      </p:grpSpPr>
+      <p:pic>
+        <p:nvPicPr>
+          <p:cNvPr descr="man_phone.jpg" id="192" name="Shape 192"/>
+          <p:cNvPicPr preferRelativeResize="0"/>
+          <p:nvPr/>
+        </p:nvPicPr>
+        <p:blipFill>
+          <a:blip r:embed="rId3">
+            <a:alphaModFix/>
+          </a:blip>
+          <a:stretch>
+            <a:fillRect/>
+          </a:stretch>
+        </p:blipFill>
+        <p:spPr>
+          <a:xfrm>
+            <a:off x="719975" y="1656174"/>
+            <a:ext cx="2559275" cy="3838925"/>
+          </a:xfrm>
+          <a:prstGeom prst="rect">
+            <a:avLst/>
+          </a:prstGeom>
+          <a:noFill/>
+          <a:ln>
+            <a:noFill/>
+          </a:ln>
+        </p:spPr>
+      </p:pic>
+      <p:pic>
+        <p:nvPicPr>
+          <p:cNvPr descr="alaska.jpg" id="193" name="Shape 193"/>
+          <p:cNvPicPr preferRelativeResize="0"/>
+          <p:nvPr/>
+        </p:nvPicPr>
+        <p:blipFill>
+          <a:blip r:embed="rId4">
+            <a:alphaModFix/>
+          </a:blip>
+          <a:stretch>
+            <a:fillRect/>
+          </a:stretch>
+        </p:blipFill>
+        <p:spPr>
+          <a:xfrm>
+            <a:off x="3594550" y="1656175"/>
+            <a:ext cx="2259699" cy="1694774"/>
+          </a:xfrm>
+          <a:prstGeom prst="rect">
+            <a:avLst/>
+          </a:prstGeom>
+          <a:noFill/>
+          <a:ln>
+            <a:noFill/>
+          </a:ln>
+        </p:spPr>
+      </p:pic>
+      <p:pic>
+        <p:nvPicPr>
+          <p:cNvPr descr="delta.png" id="194" name="Shape 194"/>
+          <p:cNvPicPr preferRelativeResize="0"/>
+          <p:nvPr/>
+        </p:nvPicPr>
+        <p:blipFill>
+          <a:blip r:embed="rId5">
+            <a:alphaModFix/>
+          </a:blip>
+          <a:stretch>
+            <a:fillRect/>
+          </a:stretch>
+        </p:blipFill>
+        <p:spPr>
+          <a:xfrm>
+            <a:off x="7076200" y="1712674"/>
+            <a:ext cx="1581774" cy="1581774"/>
+          </a:xfrm>
+          <a:prstGeom prst="rect">
+            <a:avLst/>
+          </a:prstGeom>
+          <a:noFill/>
+          <a:ln>
+            <a:noFill/>
+          </a:ln>
+        </p:spPr>
+      </p:pic>
+      <p:pic>
+        <p:nvPicPr>
+          <p:cNvPr descr="jetblue.jpg" id="195" name="Shape 195"/>
+          <p:cNvPicPr preferRelativeResize="0"/>
+          <p:nvPr/>
+        </p:nvPicPr>
+        <p:blipFill>
+          <a:blip r:embed="rId6">
+            <a:alphaModFix/>
+          </a:blip>
+          <a:stretch>
+            <a:fillRect/>
+          </a:stretch>
+        </p:blipFill>
+        <p:spPr>
+          <a:xfrm>
+            <a:off x="5665450" y="2001212"/>
+            <a:ext cx="1198900" cy="1198900"/>
+          </a:xfrm>
+          <a:prstGeom prst="rect">
+            <a:avLst/>
+          </a:prstGeom>
+          <a:noFill/>
+          <a:ln>
+            <a:noFill/>
+          </a:ln>
+        </p:spPr>
+      </p:pic>
+      <p:pic>
+        <p:nvPicPr>
+          <p:cNvPr descr="hilton.png" id="196" name="Shape 196"/>
+          <p:cNvPicPr preferRelativeResize="0"/>
+          <p:nvPr/>
+        </p:nvPicPr>
+        <p:blipFill>
+          <a:blip r:embed="rId7">
+            <a:alphaModFix/>
+          </a:blip>
+          <a:stretch>
+            <a:fillRect/>
+          </a:stretch>
+        </p:blipFill>
+        <p:spPr>
+          <a:xfrm>
+            <a:off x="3772012" y="3818174"/>
+            <a:ext cx="1904787" cy="1198900"/>
+          </a:xfrm>
+          <a:prstGeom prst="rect">
+            <a:avLst/>
+          </a:prstGeom>
+          <a:noFill/>
+          <a:ln>
+            <a:noFill/>
+          </a:ln>
+        </p:spPr>
+      </p:pic>
+      <p:pic>
+        <p:nvPicPr>
+          <p:cNvPr descr="hyatt.png" id="197" name="Shape 197"/>
+          <p:cNvPicPr preferRelativeResize="0"/>
+          <p:nvPr/>
+        </p:nvPicPr>
+        <p:blipFill>
+          <a:blip r:embed="rId8">
+            <a:alphaModFix/>
+          </a:blip>
+          <a:stretch>
+            <a:fillRect/>
+          </a:stretch>
+        </p:blipFill>
+        <p:spPr>
+          <a:xfrm>
+            <a:off x="5665437" y="3818187"/>
+            <a:ext cx="1198900" cy="1198900"/>
+          </a:xfrm>
+          <a:prstGeom prst="rect">
+            <a:avLst/>
+          </a:prstGeom>
+          <a:noFill/>
+          <a:ln>
+            <a:noFill/>
+          </a:ln>
+        </p:spPr>
+      </p:pic>
+      <p:pic>
+        <p:nvPicPr>
+          <p:cNvPr descr="holidayinn.gif" id="198" name="Shape 198"/>
+          <p:cNvPicPr preferRelativeResize="0"/>
+          <p:nvPr/>
+        </p:nvPicPr>
+        <p:blipFill>
+          <a:blip r:embed="rId9">
+            <a:alphaModFix/>
+          </a:blip>
+          <a:stretch>
+            <a:fillRect/>
+          </a:stretch>
+        </p:blipFill>
+        <p:spPr>
+          <a:xfrm>
+            <a:off x="7121737" y="3780186"/>
+            <a:ext cx="1274875" cy="1274875"/>
+          </a:xfrm>
+          <a:prstGeom prst="rect">
+            <a:avLst/>
+          </a:prstGeom>
+          <a:noFill/>
+          <a:ln>
+            <a:noFill/>
+          </a:ln>
+        </p:spPr>
+      </p:pic>
+      <p:pic>
+        <p:nvPicPr>
+          <p:cNvPr id="199" name="Shape 199"/>
+          <p:cNvPicPr preferRelativeResize="0"/>
+          <p:nvPr/>
+        </p:nvPicPr>
+        <p:blipFill>
+          <a:blip r:embed="rId10">
+            <a:alphaModFix/>
+          </a:blip>
+          <a:stretch>
+            <a:fillRect/>
+          </a:stretch>
+        </p:blipFill>
+        <p:spPr>
+          <a:xfrm>
+            <a:off x="0" y="212925"/>
+            <a:ext cx="1724750" cy="985575"/>
+          </a:xfrm>
+          <a:prstGeom prst="rect">
+            <a:avLst/>
+          </a:prstGeom>
+          <a:noFill/>
+          <a:ln>
+            <a:noFill/>
+          </a:ln>
+        </p:spPr>
+      </p:pic>
+      <p:sp>
+        <p:nvSpPr>
+          <p:cNvPr id="200" name="Shape 200"/>
+          <p:cNvSpPr txBox="1"/>
+          <p:nvPr>
+            <p:ph type="title"/>
+          </p:nvPr>
+        </p:nvSpPr>
+        <p:spPr>
+          <a:xfrm>
+            <a:off x="1174800" y="212925"/>
+            <a:ext cx="7099200" cy="1198800"/>
+          </a:xfrm>
+          <a:prstGeom prst="rect">
+            <a:avLst/>
+          </a:prstGeom>
+        </p:spPr>
+        <p:txBody>
+          <a:bodyPr anchorCtr="0" anchor="b" bIns="91425" lIns="91425" rIns="91425" tIns="91425">
+            <a:noAutofit/>
+          </a:bodyPr>
+          <a:lstStyle/>
+          <a:p>
+            <a:pPr lvl="0" rtl="0" algn="ctr">
+              <a:spcBef>
+                <a:spcPts val="0"/>
+              </a:spcBef>
+              <a:buNone/>
+            </a:pPr>
+            <a:r>
+              <a:rPr lang="en-US" sz="3600">
+                <a:solidFill>
+                  <a:srgbClr val="000000"/>
+                </a:solidFill>
+              </a:rPr>
+              <a:t>Use Case 3:</a:t>
+            </a:r>
+          </a:p>
+          <a:p>
+            <a:pPr lvl="0" rtl="0" algn="ctr">
+              <a:spcBef>
+                <a:spcPts val="0"/>
+              </a:spcBef>
+              <a:buNone/>
+            </a:pPr>
+            <a:r>
+              <a:rPr lang="en-US" sz="3600">
+                <a:solidFill>
+                  <a:srgbClr val="000000"/>
+                </a:solidFill>
+              </a:rPr>
+              <a:t>Flight Status Prediction</a:t>
+            </a:r>
+          </a:p>
+        </p:txBody>
+      </p:sp>
+    </p:spTree>
+  </p:cSld>
+  <p:clrMapOvr>
+    <a:masterClrMapping/>
+  </p:clrMapOvr>
+</p:sld>
+</file>
+
+<file path=ppt/slides/slide13.xml><?xml version="1.0" encoding="utf-8"?>
+<p:sld xmlns:a="http://schemas.openxmlformats.org/drawingml/2006/main" xmlns:r="http://schemas.openxmlformats.org/officeDocument/2006/relationships" xmlns:mc="http://schemas.openxmlformats.org/markup-compatibility/2006" xmlns:mv="urn:schemas-microsoft-com:mac:vml" xmlns:p="http://schemas.openxmlformats.org/presentationml/2006/main" xmlns:c="http://schemas.openxmlformats.org/drawingml/2006/chart" xmlns:dgm="http://schemas.openxmlformats.org/drawingml/2006/diagram" xmlns:o="urn:schemas-microsoft-com:office:office" xmlns:v="urn:schemas-microsoft-com:vml" xmlns:pvml="urn:schemas-microsoft-com:office:powerpoint" xmlns:com="http://schemas.openxmlformats.org/drawingml/2006/compatibility" xmlns:p14="http://schemas.microsoft.com/office/powerpoint/2010/main">
+  <p:cSld>
+    <p:spTree>
+      <p:nvGrpSpPr>
+        <p:cNvPr id="204" name="Shape 204"/>
         <p:cNvGrpSpPr/>
         <p:nvPr/>
       </p:nvGrpSpPr>
@@ -15073,7 +15736,7 @@
       </p:grpSpPr>
       <p:sp>
         <p:nvSpPr>
-          <p:cNvPr id="176" name="Shape 176"/>
+          <p:cNvPr id="205" name="Shape 205"/>
           <p:cNvSpPr txBox="1"/>
           <p:nvPr>
             <p:ph type="title"/>
@@ -15110,7 +15773,7 @@
             </a:r>
           </a:p>
           <a:p>
-            <a:pPr lvl="0" rtl="0" algn="ctr">
+            <a:pPr lvl="0" algn="ctr">
               <a:spcBef>
                 <a:spcPts val="0"/>
               </a:spcBef>
@@ -15129,7 +15792,7 @@
       </p:sp>
       <p:sp>
         <p:nvSpPr>
-          <p:cNvPr id="177" name="Shape 177"/>
+          <p:cNvPr id="206" name="Shape 206"/>
           <p:cNvSpPr txBox="1"/>
           <p:nvPr/>
         </p:nvSpPr>
@@ -15152,136 +15815,6 @@
           </a:bodyPr>
           <a:lstStyle/>
           <a:p>
-            <a:pPr indent="-381000" lvl="0" marL="457200" rtl="0">
-              <a:spcBef>
-                <a:spcPts val="0"/>
-              </a:spcBef>
-              <a:buSzPct val="100000"/>
-              <a:buChar char="●"/>
-            </a:pPr>
-            <a:r>
-              <a:rPr lang="en-US" sz="2400"/>
-              <a:t>Inform of incoming flights.</a:t>
-            </a:r>
-          </a:p>
-        </p:txBody>
-      </p:sp>
-      <p:pic>
-        <p:nvPicPr>
-          <p:cNvPr id="178" name="Shape 178"/>
-          <p:cNvPicPr preferRelativeResize="0"/>
-          <p:nvPr/>
-        </p:nvPicPr>
-        <p:blipFill>
-          <a:blip r:embed="rId3">
-            <a:alphaModFix/>
-          </a:blip>
-          <a:stretch>
-            <a:fillRect/>
-          </a:stretch>
-        </p:blipFill>
-        <p:spPr>
-          <a:xfrm>
-            <a:off x="0" y="212925"/>
-            <a:ext cx="1724750" cy="985575"/>
-          </a:xfrm>
-          <a:prstGeom prst="rect">
-            <a:avLst/>
-          </a:prstGeom>
-          <a:noFill/>
-          <a:ln>
-            <a:noFill/>
-          </a:ln>
-        </p:spPr>
-      </p:pic>
-    </p:spTree>
-  </p:cSld>
-  <p:clrMapOvr>
-    <a:masterClrMapping/>
-  </p:clrMapOvr>
-</p:sld>
-</file>
-
-<file path=ppt/slides/slide11.xml><?xml version="1.0" encoding="utf-8"?>
-<p:sld xmlns:a="http://schemas.openxmlformats.org/drawingml/2006/main" xmlns:r="http://schemas.openxmlformats.org/officeDocument/2006/relationships" xmlns:mc="http://schemas.openxmlformats.org/markup-compatibility/2006" xmlns:mv="urn:schemas-microsoft-com:mac:vml" xmlns:p="http://schemas.openxmlformats.org/presentationml/2006/main" xmlns:c="http://schemas.openxmlformats.org/drawingml/2006/chart" xmlns:dgm="http://schemas.openxmlformats.org/drawingml/2006/diagram" xmlns:o="urn:schemas-microsoft-com:office:office" xmlns:v="urn:schemas-microsoft-com:vml" xmlns:pvml="urn:schemas-microsoft-com:office:powerpoint" xmlns:com="http://schemas.openxmlformats.org/drawingml/2006/compatibility" xmlns:p14="http://schemas.microsoft.com/office/powerpoint/2010/main">
-  <p:cSld>
-    <p:spTree>
-      <p:nvGrpSpPr>
-        <p:cNvPr id="182" name="Shape 182"/>
-        <p:cNvGrpSpPr/>
-        <p:nvPr/>
-      </p:nvGrpSpPr>
-      <p:grpSpPr>
-        <a:xfrm>
-          <a:off x="0" y="0"/>
-          <a:ext cx="0" cy="0"/>
-          <a:chOff x="0" y="0"/>
-          <a:chExt cx="0" cy="0"/>
-        </a:xfrm>
-      </p:grpSpPr>
-      <p:sp>
-        <p:nvSpPr>
-          <p:cNvPr id="183" name="Shape 183"/>
-          <p:cNvSpPr txBox="1"/>
-          <p:nvPr/>
-        </p:nvSpPr>
-        <p:spPr>
-          <a:xfrm>
-            <a:off x="519825" y="2052550"/>
-            <a:ext cx="6957900" cy="3720900"/>
-          </a:xfrm>
-          <a:prstGeom prst="rect">
-            <a:avLst/>
-          </a:prstGeom>
-          <a:noFill/>
-          <a:ln>
-            <a:noFill/>
-          </a:ln>
-        </p:spPr>
-        <p:txBody>
-          <a:bodyPr anchorCtr="0" anchor="t" bIns="91425" lIns="91425" rIns="91425" tIns="91425">
-            <a:noAutofit/>
-          </a:bodyPr>
-          <a:lstStyle/>
-          <a:p>
-            <a:pPr indent="-381000" lvl="0" marL="457200" rtl="0">
-              <a:spcBef>
-                <a:spcPts val="0"/>
-              </a:spcBef>
-              <a:buSzPct val="100000"/>
-              <a:buChar char="●"/>
-            </a:pPr>
-            <a:r>
-              <a:rPr lang="en-US" sz="2400"/>
-              <a:t>Inform of incoming flights.</a:t>
-            </a:r>
-          </a:p>
-          <a:p>
-            <a:pPr lvl="0" rtl="0">
-              <a:spcBef>
-                <a:spcPts val="0"/>
-              </a:spcBef>
-              <a:buNone/>
-            </a:pPr>
-            <a:r>
-              <a:t/>
-            </a:r>
-            <a:endParaRPr sz="2400"/>
-          </a:p>
-          <a:p>
-            <a:pPr indent="-381000" lvl="0" marL="457200" rtl="0">
-              <a:spcBef>
-                <a:spcPts val="0"/>
-              </a:spcBef>
-              <a:buSzPct val="100000"/>
-              <a:buChar char="●"/>
-            </a:pPr>
-            <a:r>
-              <a:rPr lang="en-US" sz="2400"/>
-              <a:t>Foresee future delays.</a:t>
-            </a:r>
-          </a:p>
-          <a:p>
             <a:pPr lvl="0" rtl="0">
               <a:spcBef>
                 <a:spcPts val="0"/>
@@ -15297,370 +15830,7 @@
       </p:sp>
       <p:pic>
         <p:nvPicPr>
-          <p:cNvPr id="184" name="Shape 184"/>
-          <p:cNvPicPr preferRelativeResize="0"/>
-          <p:nvPr/>
-        </p:nvPicPr>
-        <p:blipFill>
-          <a:blip r:embed="rId3">
-            <a:alphaModFix/>
-          </a:blip>
-          <a:stretch>
-            <a:fillRect/>
-          </a:stretch>
-        </p:blipFill>
-        <p:spPr>
-          <a:xfrm>
-            <a:off x="0" y="212925"/>
-            <a:ext cx="1724750" cy="985575"/>
-          </a:xfrm>
-          <a:prstGeom prst="rect">
-            <a:avLst/>
-          </a:prstGeom>
-          <a:noFill/>
-          <a:ln>
-            <a:noFill/>
-          </a:ln>
-        </p:spPr>
-      </p:pic>
-      <p:sp>
-        <p:nvSpPr>
-          <p:cNvPr id="185" name="Shape 185"/>
-          <p:cNvSpPr txBox="1"/>
-          <p:nvPr>
-            <p:ph type="title"/>
-          </p:nvPr>
-        </p:nvSpPr>
-        <p:spPr>
-          <a:xfrm>
-            <a:off x="1351049" y="806037"/>
-            <a:ext cx="6441900" cy="701700"/>
-          </a:xfrm>
-          <a:prstGeom prst="rect">
-            <a:avLst/>
-          </a:prstGeom>
-        </p:spPr>
-        <p:txBody>
-          <a:bodyPr anchorCtr="0" anchor="b" bIns="91425" lIns="91425" rIns="91425" tIns="91425">
-            <a:noAutofit/>
-          </a:bodyPr>
-          <a:lstStyle/>
-          <a:p>
-            <a:pPr lvl="0" rtl="0" algn="ctr">
-              <a:spcBef>
-                <a:spcPts val="0"/>
-              </a:spcBef>
-              <a:buNone/>
-            </a:pPr>
-            <a:r>
-              <a:rPr lang="en-US" sz="3600">
-                <a:solidFill>
-                  <a:srgbClr val="000000"/>
-                </a:solidFill>
-              </a:rPr>
-              <a:t>Use Case 3:</a:t>
-            </a:r>
-          </a:p>
-          <a:p>
-            <a:pPr lvl="0" rtl="0" algn="ctr">
-              <a:spcBef>
-                <a:spcPts val="0"/>
-              </a:spcBef>
-              <a:buNone/>
-            </a:pPr>
-            <a:r>
-              <a:rPr lang="en-US" sz="3600">
-                <a:solidFill>
-                  <a:srgbClr val="000000"/>
-                </a:solidFill>
-              </a:rPr>
-              <a:t>Flight Status Prediction</a:t>
-            </a:r>
-          </a:p>
-        </p:txBody>
-      </p:sp>
-    </p:spTree>
-  </p:cSld>
-  <p:clrMapOvr>
-    <a:masterClrMapping/>
-  </p:clrMapOvr>
-</p:sld>
-</file>
-
-<file path=ppt/slides/slide12.xml><?xml version="1.0" encoding="utf-8"?>
-<p:sld xmlns:a="http://schemas.openxmlformats.org/drawingml/2006/main" xmlns:r="http://schemas.openxmlformats.org/officeDocument/2006/relationships" xmlns:mc="http://schemas.openxmlformats.org/markup-compatibility/2006" xmlns:mv="urn:schemas-microsoft-com:mac:vml" xmlns:p="http://schemas.openxmlformats.org/presentationml/2006/main" xmlns:c="http://schemas.openxmlformats.org/drawingml/2006/chart" xmlns:dgm="http://schemas.openxmlformats.org/drawingml/2006/diagram" xmlns:o="urn:schemas-microsoft-com:office:office" xmlns:v="urn:schemas-microsoft-com:vml" xmlns:pvml="urn:schemas-microsoft-com:office:powerpoint" xmlns:com="http://schemas.openxmlformats.org/drawingml/2006/compatibility" xmlns:p14="http://schemas.microsoft.com/office/powerpoint/2010/main">
-  <p:cSld>
-    <p:spTree>
-      <p:nvGrpSpPr>
-        <p:cNvPr id="189" name="Shape 189"/>
-        <p:cNvGrpSpPr/>
-        <p:nvPr/>
-      </p:nvGrpSpPr>
-      <p:grpSpPr>
-        <a:xfrm>
-          <a:off x="0" y="0"/>
-          <a:ext cx="0" cy="0"/>
-          <a:chOff x="0" y="0"/>
-          <a:chExt cx="0" cy="0"/>
-        </a:xfrm>
-      </p:grpSpPr>
-      <p:sp>
-        <p:nvSpPr>
-          <p:cNvPr id="190" name="Shape 190"/>
-          <p:cNvSpPr txBox="1"/>
-          <p:nvPr/>
-        </p:nvSpPr>
-        <p:spPr>
-          <a:xfrm>
-            <a:off x="519825" y="2052550"/>
-            <a:ext cx="6957900" cy="3720900"/>
-          </a:xfrm>
-          <a:prstGeom prst="rect">
-            <a:avLst/>
-          </a:prstGeom>
-          <a:noFill/>
-          <a:ln>
-            <a:noFill/>
-          </a:ln>
-        </p:spPr>
-        <p:txBody>
-          <a:bodyPr anchorCtr="0" anchor="t" bIns="91425" lIns="91425" rIns="91425" tIns="91425">
-            <a:noAutofit/>
-          </a:bodyPr>
-          <a:lstStyle/>
-          <a:p>
-            <a:pPr indent="-381000" lvl="0" marL="457200" rtl="0">
-              <a:spcBef>
-                <a:spcPts val="0"/>
-              </a:spcBef>
-              <a:buSzPct val="100000"/>
-              <a:buChar char="●"/>
-            </a:pPr>
-            <a:r>
-              <a:rPr lang="en-US" sz="2400"/>
-              <a:t>Inform of incoming flights.</a:t>
-            </a:r>
-          </a:p>
-          <a:p>
-            <a:pPr lvl="0" rtl="0">
-              <a:spcBef>
-                <a:spcPts val="0"/>
-              </a:spcBef>
-              <a:buNone/>
-            </a:pPr>
-            <a:r>
-              <a:t/>
-            </a:r>
-            <a:endParaRPr sz="2400"/>
-          </a:p>
-          <a:p>
-            <a:pPr indent="-381000" lvl="0" marL="457200" rtl="0">
-              <a:spcBef>
-                <a:spcPts val="0"/>
-              </a:spcBef>
-              <a:buSzPct val="100000"/>
-              <a:buChar char="●"/>
-            </a:pPr>
-            <a:r>
-              <a:rPr lang="en-US" sz="2400"/>
-              <a:t>Foresee future delays.</a:t>
-            </a:r>
-          </a:p>
-          <a:p>
-            <a:pPr lvl="0" rtl="0">
-              <a:spcBef>
-                <a:spcPts val="0"/>
-              </a:spcBef>
-              <a:buNone/>
-            </a:pPr>
-            <a:r>
-              <a:t/>
-            </a:r>
-            <a:endParaRPr sz="2400"/>
-          </a:p>
-          <a:p>
-            <a:pPr indent="-342900" lvl="0" marL="457200" rtl="0">
-              <a:spcBef>
-                <a:spcPts val="0"/>
-              </a:spcBef>
-              <a:buSzPct val="75000"/>
-              <a:buChar char="●"/>
-            </a:pPr>
-            <a:r>
-              <a:rPr lang="en-US" sz="2400"/>
-              <a:t>Beneficial for FBOs</a:t>
-            </a:r>
-          </a:p>
-        </p:txBody>
-      </p:sp>
-      <p:pic>
-        <p:nvPicPr>
-          <p:cNvPr id="191" name="Shape 191"/>
-          <p:cNvPicPr preferRelativeResize="0"/>
-          <p:nvPr/>
-        </p:nvPicPr>
-        <p:blipFill>
-          <a:blip r:embed="rId3">
-            <a:alphaModFix/>
-          </a:blip>
-          <a:stretch>
-            <a:fillRect/>
-          </a:stretch>
-        </p:blipFill>
-        <p:spPr>
-          <a:xfrm>
-            <a:off x="0" y="212925"/>
-            <a:ext cx="1724750" cy="985575"/>
-          </a:xfrm>
-          <a:prstGeom prst="rect">
-            <a:avLst/>
-          </a:prstGeom>
-          <a:noFill/>
-          <a:ln>
-            <a:noFill/>
-          </a:ln>
-        </p:spPr>
-      </p:pic>
-      <p:sp>
-        <p:nvSpPr>
-          <p:cNvPr id="192" name="Shape 192"/>
-          <p:cNvSpPr txBox="1"/>
-          <p:nvPr>
-            <p:ph type="title"/>
-          </p:nvPr>
-        </p:nvSpPr>
-        <p:spPr>
-          <a:xfrm>
-            <a:off x="1351049" y="806037"/>
-            <a:ext cx="6441900" cy="701700"/>
-          </a:xfrm>
-          <a:prstGeom prst="rect">
-            <a:avLst/>
-          </a:prstGeom>
-        </p:spPr>
-        <p:txBody>
-          <a:bodyPr anchorCtr="0" anchor="b" bIns="91425" lIns="91425" rIns="91425" tIns="91425">
-            <a:noAutofit/>
-          </a:bodyPr>
-          <a:lstStyle/>
-          <a:p>
-            <a:pPr lvl="0" rtl="0" algn="ctr">
-              <a:spcBef>
-                <a:spcPts val="0"/>
-              </a:spcBef>
-              <a:buNone/>
-            </a:pPr>
-            <a:r>
-              <a:rPr lang="en-US" sz="3600">
-                <a:solidFill>
-                  <a:srgbClr val="000000"/>
-                </a:solidFill>
-              </a:rPr>
-              <a:t>Use Case 3:</a:t>
-            </a:r>
-          </a:p>
-          <a:p>
-            <a:pPr lvl="0" rtl="0" algn="ctr">
-              <a:spcBef>
-                <a:spcPts val="0"/>
-              </a:spcBef>
-              <a:buNone/>
-            </a:pPr>
-            <a:r>
-              <a:rPr lang="en-US" sz="3600">
-                <a:solidFill>
-                  <a:srgbClr val="000000"/>
-                </a:solidFill>
-              </a:rPr>
-              <a:t>Flight Status Prediction</a:t>
-            </a:r>
-          </a:p>
-        </p:txBody>
-      </p:sp>
-    </p:spTree>
-  </p:cSld>
-  <p:clrMapOvr>
-    <a:masterClrMapping/>
-  </p:clrMapOvr>
-</p:sld>
-</file>
-
-<file path=ppt/slides/slide13.xml><?xml version="1.0" encoding="utf-8"?>
-<p:sld xmlns:a="http://schemas.openxmlformats.org/drawingml/2006/main" xmlns:r="http://schemas.openxmlformats.org/officeDocument/2006/relationships" xmlns:mc="http://schemas.openxmlformats.org/markup-compatibility/2006" xmlns:mv="urn:schemas-microsoft-com:mac:vml" xmlns:p="http://schemas.openxmlformats.org/presentationml/2006/main" xmlns:c="http://schemas.openxmlformats.org/drawingml/2006/chart" xmlns:dgm="http://schemas.openxmlformats.org/drawingml/2006/diagram" xmlns:o="urn:schemas-microsoft-com:office:office" xmlns:v="urn:schemas-microsoft-com:vml" xmlns:pvml="urn:schemas-microsoft-com:office:powerpoint" xmlns:com="http://schemas.openxmlformats.org/drawingml/2006/compatibility" xmlns:p14="http://schemas.microsoft.com/office/powerpoint/2010/main">
-  <p:cSld>
-    <p:spTree>
-      <p:nvGrpSpPr>
-        <p:cNvPr id="196" name="Shape 196"/>
-        <p:cNvGrpSpPr/>
-        <p:nvPr/>
-      </p:nvGrpSpPr>
-      <p:grpSpPr>
-        <a:xfrm>
-          <a:off x="0" y="0"/>
-          <a:ext cx="0" cy="0"/>
-          <a:chOff x="0" y="0"/>
-          <a:chExt cx="0" cy="0"/>
-        </a:xfrm>
-      </p:grpSpPr>
-      <p:sp>
-        <p:nvSpPr>
-          <p:cNvPr id="197" name="Shape 197"/>
-          <p:cNvSpPr txBox="1"/>
-          <p:nvPr>
-            <p:ph type="title"/>
-          </p:nvPr>
-        </p:nvSpPr>
-        <p:spPr>
-          <a:xfrm>
-            <a:off x="1174800" y="212925"/>
-            <a:ext cx="7099200" cy="1788300"/>
-          </a:xfrm>
-          <a:prstGeom prst="rect">
-            <a:avLst/>
-          </a:prstGeom>
-        </p:spPr>
-        <p:txBody>
-          <a:bodyPr anchorCtr="0" anchor="b" bIns="91425" lIns="91425" rIns="91425" tIns="91425">
-            <a:noAutofit/>
-          </a:bodyPr>
-          <a:lstStyle/>
-          <a:p>
-            <a:pPr lvl="0" rtl="0" algn="ctr">
-              <a:spcBef>
-                <a:spcPts val="0"/>
-              </a:spcBef>
-              <a:buNone/>
-            </a:pPr>
-            <a:r>
-              <a:rPr lang="en-US" sz="3600">
-                <a:solidFill>
-                  <a:srgbClr val="000000"/>
-                </a:solidFill>
-              </a:rPr>
-              <a:t>Use Case 4:</a:t>
-            </a:r>
-          </a:p>
-          <a:p>
-            <a:pPr lvl="0" algn="ctr">
-              <a:spcBef>
-                <a:spcPts val="0"/>
-              </a:spcBef>
-              <a:buNone/>
-            </a:pPr>
-            <a:r>
-              <a:rPr lang="en-US" sz="3600">
-                <a:solidFill>
-                  <a:srgbClr val="000000"/>
-                </a:solidFill>
-              </a:rPr>
-              <a:t>Productionize Flight Status Prediction</a:t>
-            </a:r>
-          </a:p>
-        </p:txBody>
-      </p:sp>
-      <p:pic>
-        <p:nvPicPr>
-          <p:cNvPr id="198" name="Shape 198"/>
+          <p:cNvPr id="207" name="Shape 207"/>
           <p:cNvPicPr preferRelativeResize="0"/>
           <p:nvPr/>
         </p:nvPicPr>
@@ -15699,7 +15869,7 @@
   <p:cSld>
     <p:spTree>
       <p:nvGrpSpPr>
-        <p:cNvPr id="202" name="Shape 202"/>
+        <p:cNvPr id="211" name="Shape 211"/>
         <p:cNvGrpSpPr/>
         <p:nvPr/>
       </p:nvGrpSpPr>
@@ -15713,7 +15883,7 @@
       </p:grpSpPr>
       <p:sp>
         <p:nvSpPr>
-          <p:cNvPr id="203" name="Shape 203"/>
+          <p:cNvPr id="212" name="Shape 212"/>
           <p:cNvSpPr txBox="1"/>
           <p:nvPr>
             <p:ph type="title"/>
@@ -15721,8 +15891,8 @@
         </p:nvSpPr>
         <p:spPr>
           <a:xfrm>
-            <a:off x="1174800" y="212925"/>
-            <a:ext cx="7099200" cy="1788300"/>
+            <a:off x="1351049" y="806037"/>
+            <a:ext cx="6441900" cy="701700"/>
           </a:xfrm>
           <a:prstGeom prst="rect">
             <a:avLst/>
@@ -15746,7 +15916,7 @@
                   <a:srgbClr val="000000"/>
                 </a:solidFill>
               </a:rPr>
-              <a:t>Use Case 4:</a:t>
+              <a:t>Use Case 3:</a:t>
             </a:r>
           </a:p>
           <a:p>
@@ -15762,29 +15932,21 @@
                   <a:srgbClr val="000000"/>
                 </a:solidFill>
               </a:rPr>
-              <a:t>Productionize Flight Status Prediction</a:t>
+              <a:t>Flight Status Prediction</a:t>
             </a:r>
           </a:p>
         </p:txBody>
       </p:sp>
-      <p:pic>
-        <p:nvPicPr>
-          <p:cNvPr descr="man_phone.jpg" id="204" name="Shape 204"/>
-          <p:cNvPicPr preferRelativeResize="0"/>
+      <p:sp>
+        <p:nvSpPr>
+          <p:cNvPr id="213" name="Shape 213"/>
+          <p:cNvSpPr txBox="1"/>
           <p:nvPr/>
-        </p:nvPicPr>
-        <p:blipFill>
-          <a:blip r:embed="rId3">
-            <a:alphaModFix/>
-          </a:blip>
-          <a:stretch>
-            <a:fillRect/>
-          </a:stretch>
-        </p:blipFill>
+        </p:nvSpPr>
         <p:spPr>
           <a:xfrm>
-            <a:off x="719975" y="1656174"/>
-            <a:ext cx="2559275" cy="3838925"/>
+            <a:off x="519825" y="2052550"/>
+            <a:ext cx="6957900" cy="3720900"/>
           </a:xfrm>
           <a:prstGeom prst="rect">
             <a:avLst/>
@@ -15794,15 +15956,34 @@
             <a:noFill/>
           </a:ln>
         </p:spPr>
-      </p:pic>
+        <p:txBody>
+          <a:bodyPr anchorCtr="0" anchor="t" bIns="91425" lIns="91425" rIns="91425" tIns="91425">
+            <a:noAutofit/>
+          </a:bodyPr>
+          <a:lstStyle/>
+          <a:p>
+            <a:pPr indent="-381000" lvl="0" marL="457200" rtl="0">
+              <a:spcBef>
+                <a:spcPts val="0"/>
+              </a:spcBef>
+              <a:buSzPct val="100000"/>
+              <a:buChar char="●"/>
+            </a:pPr>
+            <a:r>
+              <a:rPr lang="en-US" sz="2400"/>
+              <a:t>Inform of incoming flights.</a:t>
+            </a:r>
+          </a:p>
+        </p:txBody>
+      </p:sp>
       <p:pic>
         <p:nvPicPr>
-          <p:cNvPr id="205" name="Shape 205"/>
+          <p:cNvPr id="214" name="Shape 214"/>
           <p:cNvPicPr preferRelativeResize="0"/>
           <p:nvPr/>
         </p:nvPicPr>
         <p:blipFill>
-          <a:blip r:embed="rId4">
+          <a:blip r:embed="rId3">
             <a:alphaModFix/>
           </a:blip>
           <a:stretch>
@@ -15836,7 +16017,7 @@
   <p:cSld>
     <p:spTree>
       <p:nvGrpSpPr>
-        <p:cNvPr id="209" name="Shape 209"/>
+        <p:cNvPr id="218" name="Shape 218"/>
         <p:cNvGrpSpPr/>
         <p:nvPr/>
       </p:nvGrpSpPr>
@@ -15848,24 +16029,16 @@
           <a:chExt cx="0" cy="0"/>
         </a:xfrm>
       </p:grpSpPr>
-      <p:pic>
-        <p:nvPicPr>
-          <p:cNvPr descr="man_phone.jpg" id="210" name="Shape 210"/>
-          <p:cNvPicPr preferRelativeResize="0"/>
+      <p:sp>
+        <p:nvSpPr>
+          <p:cNvPr id="219" name="Shape 219"/>
+          <p:cNvSpPr txBox="1"/>
           <p:nvPr/>
-        </p:nvPicPr>
-        <p:blipFill>
-          <a:blip r:embed="rId3">
-            <a:alphaModFix/>
-          </a:blip>
-          <a:stretch>
-            <a:fillRect/>
-          </a:stretch>
-        </p:blipFill>
+        </p:nvSpPr>
         <p:spPr>
           <a:xfrm>
-            <a:off x="719975" y="1656174"/>
-            <a:ext cx="2559275" cy="3838925"/>
+            <a:off x="519825" y="2052550"/>
+            <a:ext cx="6957900" cy="3720900"/>
           </a:xfrm>
           <a:prstGeom prst="rect">
             <a:avLst/>
@@ -15875,99 +16048,71 @@
             <a:noFill/>
           </a:ln>
         </p:spPr>
-      </p:pic>
+        <p:txBody>
+          <a:bodyPr anchorCtr="0" anchor="t" bIns="91425" lIns="91425" rIns="91425" tIns="91425">
+            <a:noAutofit/>
+          </a:bodyPr>
+          <a:lstStyle/>
+          <a:p>
+            <a:pPr indent="-381000" lvl="0" marL="457200" rtl="0">
+              <a:spcBef>
+                <a:spcPts val="0"/>
+              </a:spcBef>
+              <a:buSzPct val="100000"/>
+              <a:buChar char="●"/>
+            </a:pPr>
+            <a:r>
+              <a:rPr lang="en-US" sz="2400"/>
+              <a:t>Inform of incoming flights.</a:t>
+            </a:r>
+          </a:p>
+          <a:p>
+            <a:pPr lvl="0" rtl="0">
+              <a:spcBef>
+                <a:spcPts val="0"/>
+              </a:spcBef>
+              <a:buNone/>
+            </a:pPr>
+            <a:r>
+              <a:t/>
+            </a:r>
+            <a:endParaRPr sz="2400"/>
+          </a:p>
+          <a:p>
+            <a:pPr indent="-381000" lvl="0" marL="457200" rtl="0">
+              <a:spcBef>
+                <a:spcPts val="0"/>
+              </a:spcBef>
+              <a:buSzPct val="100000"/>
+              <a:buChar char="●"/>
+            </a:pPr>
+            <a:r>
+              <a:rPr lang="en-US" sz="2400"/>
+              <a:t>Foresee future delays.</a:t>
+            </a:r>
+          </a:p>
+          <a:p>
+            <a:pPr lvl="0" rtl="0">
+              <a:spcBef>
+                <a:spcPts val="0"/>
+              </a:spcBef>
+              <a:buNone/>
+            </a:pPr>
+            <a:r>
+              <a:t/>
+            </a:r>
+            <a:endParaRPr sz="1800"/>
+          </a:p>
+        </p:txBody>
+      </p:sp>
       <p:pic>
         <p:nvPicPr>
-          <p:cNvPr descr="alaska.jpg" id="211" name="Shape 211"/>
+          <p:cNvPr id="220" name="Shape 220"/>
           <p:cNvPicPr preferRelativeResize="0"/>
           <p:nvPr/>
         </p:nvPicPr>
         <p:blipFill>
-          <a:blip r:embed="rId4">
-            <a:alphaModFix/>
-          </a:blip>
-          <a:stretch>
-            <a:fillRect/>
-          </a:stretch>
-        </p:blipFill>
-        <p:spPr>
-          <a:xfrm>
-            <a:off x="3594550" y="1656175"/>
-            <a:ext cx="2259699" cy="1694774"/>
-          </a:xfrm>
-          <a:prstGeom prst="rect">
-            <a:avLst/>
-          </a:prstGeom>
-          <a:noFill/>
-          <a:ln>
-            <a:noFill/>
-          </a:ln>
-        </p:spPr>
-      </p:pic>
-      <p:pic>
-        <p:nvPicPr>
-          <p:cNvPr descr="delta.png" id="212" name="Shape 212"/>
-          <p:cNvPicPr preferRelativeResize="0"/>
-          <p:nvPr/>
-        </p:nvPicPr>
-        <p:blipFill>
-          <a:blip r:embed="rId5">
-            <a:alphaModFix/>
-          </a:blip>
-          <a:stretch>
-            <a:fillRect/>
-          </a:stretch>
-        </p:blipFill>
-        <p:spPr>
-          <a:xfrm>
-            <a:off x="7076200" y="1712674"/>
-            <a:ext cx="1581774" cy="1581774"/>
-          </a:xfrm>
-          <a:prstGeom prst="rect">
-            <a:avLst/>
-          </a:prstGeom>
-          <a:noFill/>
-          <a:ln>
-            <a:noFill/>
-          </a:ln>
-        </p:spPr>
-      </p:pic>
-      <p:pic>
-        <p:nvPicPr>
-          <p:cNvPr descr="jetblue.jpg" id="213" name="Shape 213"/>
-          <p:cNvPicPr preferRelativeResize="0"/>
-          <p:nvPr/>
-        </p:nvPicPr>
-        <p:blipFill>
-          <a:blip r:embed="rId6">
-            <a:alphaModFix/>
-          </a:blip>
-          <a:stretch>
-            <a:fillRect/>
-          </a:stretch>
-        </p:blipFill>
-        <p:spPr>
-          <a:xfrm>
-            <a:off x="5665450" y="2001212"/>
-            <a:ext cx="1198900" cy="1198900"/>
-          </a:xfrm>
-          <a:prstGeom prst="rect">
-            <a:avLst/>
-          </a:prstGeom>
-          <a:noFill/>
-          <a:ln>
-            <a:noFill/>
-          </a:ln>
-        </p:spPr>
-      </p:pic>
-      <p:pic>
-        <p:nvPicPr>
-          <p:cNvPr id="214" name="Shape 214"/>
-          <p:cNvPicPr preferRelativeResize="0"/>
-          <p:nvPr/>
-        </p:nvPicPr>
-        <p:blipFill>
-          <a:blip r:embed="rId7">
+          <a:blip r:embed="rId3">
             <a:alphaModFix/>
           </a:blip>
           <a:stretch>
@@ -15990,7 +16135,7 @@
       </p:pic>
       <p:sp>
         <p:nvSpPr>
-          <p:cNvPr id="215" name="Shape 215"/>
+          <p:cNvPr id="221" name="Shape 221"/>
           <p:cNvSpPr txBox="1"/>
           <p:nvPr>
             <p:ph type="title"/>
@@ -15998,8 +16143,8 @@
         </p:nvSpPr>
         <p:spPr>
           <a:xfrm>
-            <a:off x="1174800" y="212925"/>
-            <a:ext cx="7099200" cy="1788300"/>
+            <a:off x="1351049" y="806037"/>
+            <a:ext cx="6441900" cy="701700"/>
           </a:xfrm>
           <a:prstGeom prst="rect">
             <a:avLst/>
@@ -16023,7 +16168,7 @@
                   <a:srgbClr val="000000"/>
                 </a:solidFill>
               </a:rPr>
-              <a:t>Use Case 4:</a:t>
+              <a:t>Use Case 3:</a:t>
             </a:r>
           </a:p>
           <a:p>
@@ -16039,7 +16184,7 @@
                   <a:srgbClr val="000000"/>
                 </a:solidFill>
               </a:rPr>
-              <a:t>Productionize Flight Status Prediction</a:t>
+              <a:t>Flight Status Prediction</a:t>
             </a:r>
           </a:p>
         </p:txBody>
@@ -16057,7 +16202,7 @@
   <p:cSld>
     <p:spTree>
       <p:nvGrpSpPr>
-        <p:cNvPr id="219" name="Shape 219"/>
+        <p:cNvPr id="225" name="Shape 225"/>
         <p:cNvGrpSpPr/>
         <p:nvPr/>
       </p:nvGrpSpPr>
@@ -16069,24 +16214,16 @@
           <a:chExt cx="0" cy="0"/>
         </a:xfrm>
       </p:grpSpPr>
-      <p:pic>
-        <p:nvPicPr>
-          <p:cNvPr descr="man_phone.jpg" id="220" name="Shape 220"/>
-          <p:cNvPicPr preferRelativeResize="0"/>
+      <p:sp>
+        <p:nvSpPr>
+          <p:cNvPr id="226" name="Shape 226"/>
+          <p:cNvSpPr txBox="1"/>
           <p:nvPr/>
-        </p:nvPicPr>
-        <p:blipFill>
-          <a:blip r:embed="rId3">
-            <a:alphaModFix/>
-          </a:blip>
-          <a:stretch>
-            <a:fillRect/>
-          </a:stretch>
-        </p:blipFill>
+        </p:nvSpPr>
         <p:spPr>
           <a:xfrm>
-            <a:off x="719975" y="1656174"/>
-            <a:ext cx="2559275" cy="3838925"/>
+            <a:off x="519825" y="2052550"/>
+            <a:ext cx="6957900" cy="3720900"/>
           </a:xfrm>
           <a:prstGeom prst="rect">
             <a:avLst/>
@@ -16096,175 +16233,76 @@
             <a:noFill/>
           </a:ln>
         </p:spPr>
-      </p:pic>
-      <p:pic>
-        <p:nvPicPr>
-          <p:cNvPr descr="alaska.jpg" id="221" name="Shape 221"/>
-          <p:cNvPicPr preferRelativeResize="0"/>
-          <p:nvPr/>
-        </p:nvPicPr>
-        <p:blipFill>
-          <a:blip r:embed="rId4">
-            <a:alphaModFix/>
-          </a:blip>
-          <a:stretch>
-            <a:fillRect/>
-          </a:stretch>
-        </p:blipFill>
-        <p:spPr>
-          <a:xfrm>
-            <a:off x="3594550" y="1656175"/>
-            <a:ext cx="2259699" cy="1694774"/>
-          </a:xfrm>
-          <a:prstGeom prst="rect">
-            <a:avLst/>
-          </a:prstGeom>
-          <a:noFill/>
-          <a:ln>
-            <a:noFill/>
-          </a:ln>
-        </p:spPr>
-      </p:pic>
-      <p:pic>
-        <p:nvPicPr>
-          <p:cNvPr descr="delta.png" id="222" name="Shape 222"/>
-          <p:cNvPicPr preferRelativeResize="0"/>
-          <p:nvPr/>
-        </p:nvPicPr>
-        <p:blipFill>
-          <a:blip r:embed="rId5">
-            <a:alphaModFix/>
-          </a:blip>
-          <a:stretch>
-            <a:fillRect/>
-          </a:stretch>
-        </p:blipFill>
-        <p:spPr>
-          <a:xfrm>
-            <a:off x="7076200" y="1712674"/>
-            <a:ext cx="1581774" cy="1581774"/>
-          </a:xfrm>
-          <a:prstGeom prst="rect">
-            <a:avLst/>
-          </a:prstGeom>
-          <a:noFill/>
-          <a:ln>
-            <a:noFill/>
-          </a:ln>
-        </p:spPr>
-      </p:pic>
-      <p:pic>
-        <p:nvPicPr>
-          <p:cNvPr descr="jetblue.jpg" id="223" name="Shape 223"/>
-          <p:cNvPicPr preferRelativeResize="0"/>
-          <p:nvPr/>
-        </p:nvPicPr>
-        <p:blipFill>
-          <a:blip r:embed="rId6">
-            <a:alphaModFix/>
-          </a:blip>
-          <a:stretch>
-            <a:fillRect/>
-          </a:stretch>
-        </p:blipFill>
-        <p:spPr>
-          <a:xfrm>
-            <a:off x="5665450" y="2001212"/>
-            <a:ext cx="1198900" cy="1198900"/>
-          </a:xfrm>
-          <a:prstGeom prst="rect">
-            <a:avLst/>
-          </a:prstGeom>
-          <a:noFill/>
-          <a:ln>
-            <a:noFill/>
-          </a:ln>
-        </p:spPr>
-      </p:pic>
-      <p:pic>
-        <p:nvPicPr>
-          <p:cNvPr descr="hilton.png" id="224" name="Shape 224"/>
-          <p:cNvPicPr preferRelativeResize="0"/>
-          <p:nvPr/>
-        </p:nvPicPr>
-        <p:blipFill>
-          <a:blip r:embed="rId7">
-            <a:alphaModFix/>
-          </a:blip>
-          <a:stretch>
-            <a:fillRect/>
-          </a:stretch>
-        </p:blipFill>
-        <p:spPr>
-          <a:xfrm>
-            <a:off x="3772012" y="3818174"/>
-            <a:ext cx="1904787" cy="1198900"/>
-          </a:xfrm>
-          <a:prstGeom prst="rect">
-            <a:avLst/>
-          </a:prstGeom>
-          <a:noFill/>
-          <a:ln>
-            <a:noFill/>
-          </a:ln>
-        </p:spPr>
-      </p:pic>
-      <p:pic>
-        <p:nvPicPr>
-          <p:cNvPr descr="hyatt.png" id="225" name="Shape 225"/>
-          <p:cNvPicPr preferRelativeResize="0"/>
-          <p:nvPr/>
-        </p:nvPicPr>
-        <p:blipFill>
-          <a:blip r:embed="rId8">
-            <a:alphaModFix/>
-          </a:blip>
-          <a:stretch>
-            <a:fillRect/>
-          </a:stretch>
-        </p:blipFill>
-        <p:spPr>
-          <a:xfrm>
-            <a:off x="5665437" y="3818187"/>
-            <a:ext cx="1198900" cy="1198900"/>
-          </a:xfrm>
-          <a:prstGeom prst="rect">
-            <a:avLst/>
-          </a:prstGeom>
-          <a:noFill/>
-          <a:ln>
-            <a:noFill/>
-          </a:ln>
-        </p:spPr>
-      </p:pic>
-      <p:pic>
-        <p:nvPicPr>
-          <p:cNvPr descr="holidayinn.gif" id="226" name="Shape 226"/>
-          <p:cNvPicPr preferRelativeResize="0"/>
-          <p:nvPr/>
-        </p:nvPicPr>
-        <p:blipFill>
-          <a:blip r:embed="rId9">
-            <a:alphaModFix/>
-          </a:blip>
-          <a:stretch>
-            <a:fillRect/>
-          </a:stretch>
-        </p:blipFill>
-        <p:spPr>
-          <a:xfrm>
-            <a:off x="7121737" y="3780186"/>
-            <a:ext cx="1274875" cy="1274875"/>
-          </a:xfrm>
-          <a:prstGeom prst="rect">
-            <a:avLst/>
-          </a:prstGeom>
-          <a:noFill/>
-          <a:ln>
-            <a:noFill/>
-          </a:ln>
-        </p:spPr>
-      </p:pic>
+        <p:txBody>
+          <a:bodyPr anchorCtr="0" anchor="t" bIns="91425" lIns="91425" rIns="91425" tIns="91425">
+            <a:noAutofit/>
+          </a:bodyPr>
+          <a:lstStyle/>
+          <a:p>
+            <a:pPr indent="-381000" lvl="0" marL="457200" rtl="0">
+              <a:spcBef>
+                <a:spcPts val="0"/>
+              </a:spcBef>
+              <a:buSzPct val="100000"/>
+              <a:buChar char="●"/>
+            </a:pPr>
+            <a:r>
+              <a:rPr lang="en-US" sz="2400"/>
+              <a:t>Inform of incoming flights.</a:t>
+            </a:r>
+          </a:p>
+          <a:p>
+            <a:pPr lvl="0" rtl="0">
+              <a:spcBef>
+                <a:spcPts val="0"/>
+              </a:spcBef>
+              <a:buNone/>
+            </a:pPr>
+            <a:r>
+              <a:t/>
+            </a:r>
+            <a:endParaRPr sz="2400"/>
+          </a:p>
+          <a:p>
+            <a:pPr indent="-381000" lvl="0" marL="457200" rtl="0">
+              <a:spcBef>
+                <a:spcPts val="0"/>
+              </a:spcBef>
+              <a:buSzPct val="100000"/>
+              <a:buChar char="●"/>
+            </a:pPr>
+            <a:r>
+              <a:rPr lang="en-US" sz="2400"/>
+              <a:t>Foresee future delays.</a:t>
+            </a:r>
+          </a:p>
+          <a:p>
+            <a:pPr lvl="0" rtl="0">
+              <a:spcBef>
+                <a:spcPts val="0"/>
+              </a:spcBef>
+              <a:buNone/>
+            </a:pPr>
+            <a:r>
+              <a:t/>
+            </a:r>
+            <a:endParaRPr sz="2400"/>
+          </a:p>
+          <a:p>
+            <a:pPr indent="-381000" lvl="0" marL="457200" rtl="0">
+              <a:spcBef>
+                <a:spcPts val="0"/>
+              </a:spcBef>
+              <a:buSzPct val="100000"/>
+              <a:buChar char="●"/>
+            </a:pPr>
+            <a:r>
+              <a:rPr lang="en-US" sz="2400"/>
+              <a:t>Beneficial for FBOs</a:t>
+            </a:r>
+          </a:p>
+        </p:txBody>
+      </p:sp>
       <p:pic>
         <p:nvPicPr>
           <p:cNvPr id="227" name="Shape 227"/>
@@ -16272,7 +16310,7 @@
           <p:nvPr/>
         </p:nvPicPr>
         <p:blipFill>
-          <a:blip r:embed="rId10">
+          <a:blip r:embed="rId3">
             <a:alphaModFix/>
           </a:blip>
           <a:stretch>
@@ -16303,8 +16341,8 @@
         </p:nvSpPr>
         <p:spPr>
           <a:xfrm>
-            <a:off x="1174800" y="212925"/>
-            <a:ext cx="7099200" cy="1788300"/>
+            <a:off x="1351049" y="806037"/>
+            <a:ext cx="6441900" cy="701700"/>
           </a:xfrm>
           <a:prstGeom prst="rect">
             <a:avLst/>
@@ -16328,7 +16366,7 @@
                   <a:srgbClr val="000000"/>
                 </a:solidFill>
               </a:rPr>
-              <a:t>Use Case 4:</a:t>
+              <a:t>Use Case 3:</a:t>
             </a:r>
           </a:p>
           <a:p>
@@ -16344,7 +16382,7 @@
                   <a:srgbClr val="000000"/>
                 </a:solidFill>
               </a:rPr>
-              <a:t>Productionize Flight Status Prediction</a:t>
+              <a:t>Flight Status Prediction</a:t>
             </a:r>
           </a:p>
         </p:txBody>
@@ -16457,7 +16495,7 @@
           <p:nvPr/>
         </p:nvGraphicFramePr>
         <p:xfrm>
-          <a:off x="414975" y="1526125"/>
+          <a:off x="414975" y="1919175"/>
           <a:ext cx="3000000" cy="3000000"/>
         </p:xfrm>
         <a:graphic>
@@ -16465,13 +16503,13 @@
             <a:tbl>
               <a:tblPr>
                 <a:noFill/>
-                <a:tableStyleId>{4EBC9D37-0B68-41B3-B3DB-F8D2E52D5B45}</a:tableStyleId>
+                <a:tableStyleId>{DB4B403D-D8F9-43C1-BD06-F418153B0571}</a:tableStyleId>
               </a:tblPr>
               <a:tblGrid>
                 <a:gridCol w="382850"/>
-                <a:gridCol w="1498200"/>
-                <a:gridCol w="919000"/>
-                <a:gridCol w="919000"/>
+                <a:gridCol w="1622275"/>
+                <a:gridCol w="828775"/>
+                <a:gridCol w="885150"/>
                 <a:gridCol w="919000"/>
                 <a:gridCol w="919000"/>
                 <a:gridCol w="919000"/>
@@ -17707,324 +17745,6 @@
                   </a:tcPr>
                 </a:tc>
               </a:tr>
-              <a:tr h="1084550">
-                <a:tc>
-                  <a:txBody>
-                    <a:bodyPr>
-                      <a:noAutofit/>
-                    </a:bodyPr>
-                    <a:lstStyle/>
-                    <a:p>
-                      <a:pPr lvl="0" rtl="0" algn="ctr">
-                        <a:spcBef>
-                          <a:spcPts val="0"/>
-                        </a:spcBef>
-                        <a:buNone/>
-                      </a:pPr>
-                      <a:r>
-                        <a:rPr b="1" lang="en-US"/>
-                        <a:t>4</a:t>
-                      </a:r>
-                    </a:p>
-                  </a:txBody>
-                  <a:tcPr marT="91425" marB="91425" marR="91425" marL="91425" anchor="ctr"/>
-                </a:tc>
-                <a:tc>
-                  <a:txBody>
-                    <a:bodyPr>
-                      <a:noAutofit/>
-                    </a:bodyPr>
-                    <a:lstStyle/>
-                    <a:p>
-                      <a:pPr lvl="0" algn="ctr">
-                        <a:spcBef>
-                          <a:spcPts val="0"/>
-                        </a:spcBef>
-                        <a:buNone/>
-                      </a:pPr>
-                      <a:r>
-                        <a:rPr lang="en-US"/>
-                        <a:t>Flight Status Prediction Productionisation</a:t>
-                      </a:r>
-                    </a:p>
-                  </a:txBody>
-                  <a:tcPr marT="91425" marB="91425" marR="91425" marL="91425" anchor="ctr"/>
-                </a:tc>
-                <a:tc>
-                  <a:txBody>
-                    <a:bodyPr>
-                      <a:noAutofit/>
-                    </a:bodyPr>
-                    <a:lstStyle/>
-                    <a:p>
-                      <a:pPr lvl="0" algn="ctr">
-                        <a:spcBef>
-                          <a:spcPts val="0"/>
-                        </a:spcBef>
-                        <a:buNone/>
-                      </a:pPr>
-                      <a:r>
-                        <a:rPr lang="en-US" sz="1800"/>
-                        <a:t>M</a:t>
-                      </a:r>
-                    </a:p>
-                  </a:txBody>
-                  <a:tcPr marT="91425" marB="91425" marR="91425" marL="91425" anchor="ctr">
-                    <a:solidFill>
-                      <a:srgbClr val="FFF2CC"/>
-                    </a:solidFill>
-                  </a:tcPr>
-                </a:tc>
-                <a:tc>
-                  <a:txBody>
-                    <a:bodyPr>
-                      <a:noAutofit/>
-                    </a:bodyPr>
-                    <a:lstStyle/>
-                    <a:p>
-                      <a:pPr lvl="0" algn="ctr">
-                        <a:spcBef>
-                          <a:spcPts val="0"/>
-                        </a:spcBef>
-                        <a:buNone/>
-                      </a:pPr>
-                      <a:r>
-                        <a:rPr lang="en-US" sz="1800"/>
-                        <a:t>H</a:t>
-                      </a:r>
-                    </a:p>
-                  </a:txBody>
-                  <a:tcPr marT="91425" marB="91425" marR="91425" marL="91425" anchor="ctr">
-                    <a:lnR cap="flat" cmpd="sng" w="19050">
-                      <a:solidFill>
-                        <a:srgbClr val="000000"/>
-                      </a:solidFill>
-                      <a:prstDash val="solid"/>
-                      <a:round/>
-                      <a:headEnd len="med" w="med" type="none"/>
-                      <a:tailEnd len="med" w="med" type="none"/>
-                    </a:lnR>
-                    <a:solidFill>
-                      <a:srgbClr val="F4CCCC"/>
-                    </a:solidFill>
-                  </a:tcPr>
-                </a:tc>
-                <a:tc>
-                  <a:txBody>
-                    <a:bodyPr>
-                      <a:noAutofit/>
-                    </a:bodyPr>
-                    <a:lstStyle/>
-                    <a:p>
-                      <a:pPr lvl="0" algn="ctr">
-                        <a:spcBef>
-                          <a:spcPts val="0"/>
-                        </a:spcBef>
-                        <a:buNone/>
-                      </a:pPr>
-                      <a:r>
-                        <a:rPr lang="en-US" sz="1800"/>
-                        <a:t>M</a:t>
-                      </a:r>
-                    </a:p>
-                  </a:txBody>
-                  <a:tcPr marT="91425" marB="91425" marR="91425" marL="91425" anchor="ctr">
-                    <a:lnL cap="flat" cmpd="sng" w="19050">
-                      <a:solidFill>
-                        <a:srgbClr val="000000"/>
-                      </a:solidFill>
-                      <a:prstDash val="solid"/>
-                      <a:round/>
-                      <a:headEnd len="med" w="med" type="none"/>
-                      <a:tailEnd len="med" w="med" type="none"/>
-                    </a:lnL>
-                    <a:lnR cap="flat" cmpd="sng" w="19050">
-                      <a:solidFill>
-                        <a:srgbClr val="000000"/>
-                      </a:solidFill>
-                      <a:prstDash val="solid"/>
-                      <a:round/>
-                      <a:headEnd len="med" w="med" type="none"/>
-                      <a:tailEnd len="med" w="med" type="none"/>
-                    </a:lnR>
-                    <a:lnB cap="flat" cmpd="sng" w="19050">
-                      <a:solidFill>
-                        <a:srgbClr val="000000"/>
-                      </a:solidFill>
-                      <a:prstDash val="solid"/>
-                      <a:round/>
-                      <a:headEnd len="med" w="med" type="none"/>
-                      <a:tailEnd len="med" w="med" type="none"/>
-                    </a:lnB>
-                    <a:solidFill>
-                      <a:srgbClr val="FFE599"/>
-                    </a:solidFill>
-                  </a:tcPr>
-                </a:tc>
-                <a:tc>
-                  <a:txBody>
-                    <a:bodyPr>
-                      <a:noAutofit/>
-                    </a:bodyPr>
-                    <a:lstStyle/>
-                    <a:p>
-                      <a:pPr lvl="0" algn="ctr">
-                        <a:spcBef>
-                          <a:spcPts val="0"/>
-                        </a:spcBef>
-                        <a:buNone/>
-                      </a:pPr>
-                      <a:r>
-                        <a:rPr lang="en-US" sz="1800"/>
-                        <a:t>M</a:t>
-                      </a:r>
-                    </a:p>
-                  </a:txBody>
-                  <a:tcPr marT="91425" marB="91425" marR="91425" marL="91425" anchor="ctr">
-                    <a:lnL cap="flat" cmpd="sng" w="19050">
-                      <a:solidFill>
-                        <a:srgbClr val="000000"/>
-                      </a:solidFill>
-                      <a:prstDash val="solid"/>
-                      <a:round/>
-                      <a:headEnd len="med" w="med" type="none"/>
-                      <a:tailEnd len="med" w="med" type="none"/>
-                    </a:lnL>
-                    <a:solidFill>
-                      <a:srgbClr val="FFF2CC"/>
-                    </a:solidFill>
-                  </a:tcPr>
-                </a:tc>
-                <a:tc>
-                  <a:txBody>
-                    <a:bodyPr>
-                      <a:noAutofit/>
-                    </a:bodyPr>
-                    <a:lstStyle/>
-                    <a:p>
-                      <a:pPr lvl="0" rtl="0" algn="ctr">
-                        <a:spcBef>
-                          <a:spcPts val="0"/>
-                        </a:spcBef>
-                        <a:buNone/>
-                      </a:pPr>
-                      <a:r>
-                        <a:rPr lang="en-US" sz="1800"/>
-                        <a:t>L</a:t>
-                      </a:r>
-                    </a:p>
-                  </a:txBody>
-                  <a:tcPr marT="91425" marB="91425" marR="91425" marL="91425" anchor="ctr">
-                    <a:lnR cap="flat" cmpd="sng" w="19050">
-                      <a:solidFill>
-                        <a:srgbClr val="000000"/>
-                      </a:solidFill>
-                      <a:prstDash val="solid"/>
-                      <a:round/>
-                      <a:headEnd len="med" w="med" type="none"/>
-                      <a:tailEnd len="med" w="med" type="none"/>
-                    </a:lnR>
-                    <a:solidFill>
-                      <a:srgbClr val="F4CCCC"/>
-                    </a:solidFill>
-                  </a:tcPr>
-                </a:tc>
-                <a:tc>
-                  <a:txBody>
-                    <a:bodyPr>
-                      <a:noAutofit/>
-                    </a:bodyPr>
-                    <a:lstStyle/>
-                    <a:p>
-                      <a:pPr lvl="0" rtl="0" algn="ctr">
-                        <a:spcBef>
-                          <a:spcPts val="0"/>
-                        </a:spcBef>
-                        <a:buNone/>
-                      </a:pPr>
-                      <a:r>
-                        <a:rPr lang="en-US" sz="1800"/>
-                        <a:t>M</a:t>
-                      </a:r>
-                    </a:p>
-                  </a:txBody>
-                  <a:tcPr marT="91425" marB="91425" marR="91425" marL="91425" anchor="ctr">
-                    <a:lnL cap="flat" cmpd="sng" w="19050">
-                      <a:solidFill>
-                        <a:srgbClr val="000000"/>
-                      </a:solidFill>
-                      <a:prstDash val="solid"/>
-                      <a:round/>
-                      <a:headEnd len="med" w="med" type="none"/>
-                      <a:tailEnd len="med" w="med" type="none"/>
-                    </a:lnL>
-                    <a:lnR cap="flat" cmpd="sng" w="19050">
-                      <a:solidFill>
-                        <a:srgbClr val="000000"/>
-                      </a:solidFill>
-                      <a:prstDash val="solid"/>
-                      <a:round/>
-                      <a:headEnd len="med" w="med" type="none"/>
-                      <a:tailEnd len="med" w="med" type="none"/>
-                    </a:lnR>
-                    <a:lnB cap="flat" cmpd="sng" w="19050">
-                      <a:solidFill>
-                        <a:srgbClr val="000000"/>
-                      </a:solidFill>
-                      <a:prstDash val="solid"/>
-                      <a:round/>
-                      <a:headEnd len="med" w="med" type="none"/>
-                      <a:tailEnd len="med" w="med" type="none"/>
-                    </a:lnB>
-                    <a:solidFill>
-                      <a:srgbClr val="FFE599"/>
-                    </a:solidFill>
-                  </a:tcPr>
-                </a:tc>
-                <a:tc>
-                  <a:txBody>
-                    <a:bodyPr>
-                      <a:noAutofit/>
-                    </a:bodyPr>
-                    <a:lstStyle/>
-                    <a:p>
-                      <a:pPr lvl="0" rtl="0" algn="ctr">
-                        <a:spcBef>
-                          <a:spcPts val="0"/>
-                        </a:spcBef>
-                        <a:buNone/>
-                      </a:pPr>
-                      <a:r>
-                        <a:rPr b="1" lang="en-US" sz="1800"/>
-                        <a:t>L</a:t>
-                      </a:r>
-                    </a:p>
-                  </a:txBody>
-                  <a:tcPr marT="91425" marB="91425" marR="91425" marL="91425" anchor="ctr">
-                    <a:lnL cap="flat" cmpd="sng" w="19050">
-                      <a:solidFill>
-                        <a:srgbClr val="000000"/>
-                      </a:solidFill>
-                      <a:prstDash val="solid"/>
-                      <a:round/>
-                      <a:headEnd len="med" w="med" type="none"/>
-                      <a:tailEnd len="med" w="med" type="none"/>
-                    </a:lnL>
-                    <a:lnR cap="flat" cmpd="sng" w="19050">
-                      <a:solidFill>
-                        <a:srgbClr val="000000"/>
-                      </a:solidFill>
-                      <a:prstDash val="solid"/>
-                      <a:round/>
-                      <a:headEnd len="med" w="med" type="none"/>
-                      <a:tailEnd len="med" w="med" type="none"/>
-                    </a:lnR>
-                    <a:solidFill>
-                      <a:srgbClr val="E06666"/>
-                    </a:solidFill>
-                  </a:tcPr>
-                </a:tc>
-              </a:tr>
             </a:tbl>
           </a:graphicData>
         </a:graphic>
@@ -18037,7 +17757,7 @@
         </p:nvSpPr>
         <p:spPr>
           <a:xfrm rot="-5400000">
-            <a:off x="2131800" y="1879425"/>
+            <a:off x="2199475" y="2260425"/>
             <a:ext cx="1240800" cy="609000"/>
           </a:xfrm>
           <a:prstGeom prst="rect">
@@ -18087,7 +17807,7 @@
         </p:nvSpPr>
         <p:spPr>
           <a:xfrm rot="-5400000">
-            <a:off x="3045500" y="2025975"/>
+            <a:off x="3045500" y="2406975"/>
             <a:ext cx="1229400" cy="315900"/>
           </a:xfrm>
           <a:prstGeom prst="rect">
@@ -18125,7 +17845,7 @@
         </p:nvSpPr>
         <p:spPr>
           <a:xfrm rot="-5400000">
-            <a:off x="4912175" y="1952625"/>
+            <a:off x="4912175" y="2333625"/>
             <a:ext cx="1195800" cy="462600"/>
           </a:xfrm>
           <a:prstGeom prst="rect">
@@ -18175,7 +17895,7 @@
         </p:nvSpPr>
         <p:spPr>
           <a:xfrm rot="-5400000">
-            <a:off x="5879425" y="1879425"/>
+            <a:off x="5879425" y="2260425"/>
             <a:ext cx="1094100" cy="609000"/>
           </a:xfrm>
           <a:prstGeom prst="rect">
@@ -19226,7 +18946,7 @@
             </a:pPr>
             <a:r>
               <a:rPr lang="en-US"/>
-              <a:t>Use Case 3 &amp; 4</a:t>
+              <a:t>Use Case 3</a:t>
             </a:r>
           </a:p>
         </p:txBody>
@@ -19821,7 +19541,7 @@
             </a:r>
           </a:p>
           <a:p>
-            <a:pPr lvl="0">
+            <a:pPr indent="0" lvl="0" marL="0" rtl="0">
               <a:spcBef>
                 <a:spcPts val="0"/>
               </a:spcBef>
@@ -19829,7 +19549,19 @@
             </a:pPr>
             <a:r>
               <a:rPr lang="en-US"/>
-              <a:t>		Team of 2 Data Engineers, 1 Data Scientist, 1 Industry Consultant</a:t>
+              <a:t>	Team of 2 Data Engineers, 1 Data Scientist, 1 Industry Consultant, </a:t>
+            </a:r>
+          </a:p>
+          <a:p>
+            <a:pPr indent="0" lvl="0" marL="457200">
+              <a:spcBef>
+                <a:spcPts val="0"/>
+              </a:spcBef>
+              <a:buNone/>
+            </a:pPr>
+            <a:r>
+              <a:rPr lang="en-US"/>
+              <a:t>1  Delivery Lead</a:t>
             </a:r>
           </a:p>
           <a:p>
@@ -19853,7 +19585,7 @@
             </a:pPr>
             <a:r>
               <a:rPr lang="en-US"/>
-              <a:t>Delta Cost Use Case 3 &amp; 4			  $40.000,00</a:t>
+              <a:t>Delta Cost Use Case 3				  $40.000,00</a:t>
             </a:r>
           </a:p>
           <a:p>
@@ -19892,7 +19624,7 @@
         </p:nvSpPr>
         <p:spPr>
           <a:xfrm>
-            <a:off x="2036846" y="578450"/>
+            <a:off x="2417846" y="578450"/>
             <a:ext cx="5070300" cy="701700"/>
           </a:xfrm>
           <a:prstGeom prst="rect">
@@ -21898,103 +21630,9 @@
           <a:chExt cx="0" cy="0"/>
         </a:xfrm>
       </p:grpSpPr>
-      <p:sp>
-        <p:nvSpPr>
-          <p:cNvPr id="169" name="Shape 169"/>
-          <p:cNvSpPr txBox="1"/>
-          <p:nvPr>
-            <p:ph type="title"/>
-          </p:nvPr>
-        </p:nvSpPr>
-        <p:spPr>
-          <a:xfrm>
-            <a:off x="1351049" y="806037"/>
-            <a:ext cx="6441900" cy="701700"/>
-          </a:xfrm>
-          <a:prstGeom prst="rect">
-            <a:avLst/>
-          </a:prstGeom>
-        </p:spPr>
-        <p:txBody>
-          <a:bodyPr anchorCtr="0" anchor="b" bIns="91425" lIns="91425" rIns="91425" tIns="91425">
-            <a:noAutofit/>
-          </a:bodyPr>
-          <a:lstStyle/>
-          <a:p>
-            <a:pPr lvl="0" rtl="0" algn="ctr">
-              <a:spcBef>
-                <a:spcPts val="0"/>
-              </a:spcBef>
-              <a:buNone/>
-            </a:pPr>
-            <a:r>
-              <a:rPr lang="en-US" sz="3600">
-                <a:solidFill>
-                  <a:srgbClr val="000000"/>
-                </a:solidFill>
-              </a:rPr>
-              <a:t>Use Case 3:</a:t>
-            </a:r>
-          </a:p>
-          <a:p>
-            <a:pPr lvl="0" algn="ctr">
-              <a:spcBef>
-                <a:spcPts val="0"/>
-              </a:spcBef>
-              <a:buNone/>
-            </a:pPr>
-            <a:r>
-              <a:rPr lang="en-US" sz="3600">
-                <a:solidFill>
-                  <a:srgbClr val="000000"/>
-                </a:solidFill>
-              </a:rPr>
-              <a:t>Flight Status Prediction</a:t>
-            </a:r>
-          </a:p>
-        </p:txBody>
-      </p:sp>
-      <p:sp>
-        <p:nvSpPr>
-          <p:cNvPr id="170" name="Shape 170"/>
-          <p:cNvSpPr txBox="1"/>
-          <p:nvPr/>
-        </p:nvSpPr>
-        <p:spPr>
-          <a:xfrm>
-            <a:off x="519825" y="2052550"/>
-            <a:ext cx="6957900" cy="3720900"/>
-          </a:xfrm>
-          <a:prstGeom prst="rect">
-            <a:avLst/>
-          </a:prstGeom>
-          <a:noFill/>
-          <a:ln>
-            <a:noFill/>
-          </a:ln>
-        </p:spPr>
-        <p:txBody>
-          <a:bodyPr anchorCtr="0" anchor="t" bIns="91425" lIns="91425" rIns="91425" tIns="91425">
-            <a:noAutofit/>
-          </a:bodyPr>
-          <a:lstStyle/>
-          <a:p>
-            <a:pPr lvl="0" rtl="0">
-              <a:spcBef>
-                <a:spcPts val="0"/>
-              </a:spcBef>
-              <a:buNone/>
-            </a:pPr>
-            <a:r>
-              <a:t/>
-            </a:r>
-            <a:endParaRPr sz="1800"/>
-          </a:p>
-        </p:txBody>
-      </p:sp>
       <p:pic>
         <p:nvPicPr>
-          <p:cNvPr id="171" name="Shape 171"/>
+          <p:cNvPr id="169" name="Shape 169"/>
           <p:cNvPicPr preferRelativeResize="0"/>
           <p:nvPr/>
         </p:nvPicPr>
@@ -22020,6 +21658,62 @@
           </a:ln>
         </p:spPr>
       </p:pic>
+      <p:sp>
+        <p:nvSpPr>
+          <p:cNvPr id="170" name="Shape 170"/>
+          <p:cNvSpPr txBox="1"/>
+          <p:nvPr>
+            <p:ph type="title"/>
+          </p:nvPr>
+        </p:nvSpPr>
+        <p:spPr>
+          <a:xfrm>
+            <a:off x="1174800" y="212925"/>
+            <a:ext cx="7099200" cy="1198800"/>
+          </a:xfrm>
+          <a:prstGeom prst="rect">
+            <a:avLst/>
+          </a:prstGeom>
+        </p:spPr>
+        <p:txBody>
+          <a:bodyPr anchorCtr="0" anchor="b" bIns="91425" lIns="91425" rIns="91425" tIns="91425">
+            <a:noAutofit/>
+          </a:bodyPr>
+          <a:lstStyle/>
+          <a:p>
+            <a:pPr lvl="0" rtl="0" algn="ctr">
+              <a:spcBef>
+                <a:spcPts val="0"/>
+              </a:spcBef>
+              <a:buNone/>
+            </a:pPr>
+            <a:r>
+              <a:rPr lang="en-US" sz="3600">
+                <a:solidFill>
+                  <a:srgbClr val="000000"/>
+                </a:solidFill>
+              </a:rPr>
+              <a:t>Use Case 3:</a:t>
+            </a:r>
+          </a:p>
+          <a:p>
+            <a:pPr lvl="0" rtl="0" algn="ctr">
+              <a:spcBef>
+                <a:spcPts val="0"/>
+              </a:spcBef>
+              <a:buNone/>
+            </a:pPr>
+            <a:r>
+              <a:rPr lang="en-US" sz="3600">
+                <a:solidFill>
+                  <a:srgbClr val="000000"/>
+                </a:solidFill>
+              </a:rPr>
+              <a:t>Flight Status Prediction</a:t>
+            </a:r>
+          </a:p>
+        </p:txBody>
+      </p:sp>
     </p:spTree>
   </p:cSld>
   <p:clrMapOvr>
@@ -22029,6 +21723,285 @@
 </file>
 
 <file path=ppt/theme/theme1.xml><?xml version="1.0" encoding="utf-8"?>
+<a:theme xmlns:a="http://schemas.openxmlformats.org/drawingml/2006/main" xmlns:r="http://schemas.openxmlformats.org/officeDocument/2006/relationships" name="Custom Theme">
+  <a:themeElements>
+    <a:clrScheme name="Default">
+      <a:dk1>
+        <a:srgbClr val="000000"/>
+      </a:dk1>
+      <a:lt1>
+        <a:srgbClr val="FFFFFF"/>
+      </a:lt1>
+      <a:dk2>
+        <a:srgbClr val="158158"/>
+      </a:dk2>
+      <a:lt2>
+        <a:srgbClr val="F3F3F3"/>
+      </a:lt2>
+      <a:accent1>
+        <a:srgbClr val="058DC7"/>
+      </a:accent1>
+      <a:accent2>
+        <a:srgbClr val="50B432"/>
+      </a:accent2>
+      <a:accent3>
+        <a:srgbClr val="ED561B"/>
+      </a:accent3>
+      <a:accent4>
+        <a:srgbClr val="EDEF00"/>
+      </a:accent4>
+      <a:accent5>
+        <a:srgbClr val="24CBE5"/>
+      </a:accent5>
+      <a:accent6>
+        <a:srgbClr val="64E572"/>
+      </a:accent6>
+      <a:hlink>
+        <a:srgbClr val="2200CC"/>
+      </a:hlink>
+      <a:folHlink>
+        <a:srgbClr val="551A8B"/>
+      </a:folHlink>
+    </a:clrScheme>
+    <a:fontScheme name="Office">
+      <a:majorFont>
+        <a:latin typeface="Arial"/>
+        <a:ea typeface=""/>
+        <a:cs typeface=""/>
+        <a:font script="Jpan" typeface="ＭＳ Ｐゴシック"/>
+        <a:font script="Hang" typeface="맑은 고딕"/>
+        <a:font script="Hans" typeface="宋体"/>
+        <a:font script="Hant" typeface="新細明體"/>
+        <a:font script="Arab" typeface="Times New Roman"/>
+        <a:font script="Hebr" typeface="Times New Roman"/>
+        <a:font script="Thai" typeface="Angsana New"/>
+        <a:font script="Ethi" typeface="Nyala"/>
+        <a:font script="Beng" typeface="Vrinda"/>
+        <a:font script="Gujr" typeface="Shruti"/>
+        <a:font script="Khmr" typeface="MoolBoran"/>
+        <a:font script="Knda" typeface="Tunga"/>
+        <a:font script="Guru" typeface="Raavi"/>
+        <a:font script="Cans" typeface="Euphemia"/>
+        <a:font script="Cher" typeface="Plantagenet Cherokee"/>
+        <a:font script="Yiii" typeface="Microsoft Yi Baiti"/>
+        <a:font script="Tibt" typeface="Microsoft Himalaya"/>
+        <a:font script="Thaa" typeface="MV Boli"/>
+        <a:font script="Deva" typeface="Mangal"/>
+        <a:font script="Telu" typeface="Gautami"/>
+        <a:font script="Taml" typeface="Latha"/>
+        <a:font script="Syrc" typeface="Estrangelo Edessa"/>
+        <a:font script="Orya" typeface="Kalinga"/>
+        <a:font script="Mlym" typeface="Kartika"/>
+        <a:font script="Laoo" typeface="DokChampa"/>
+        <a:font script="Sinh" typeface="Iskoola Pota"/>
+        <a:font script="Mong" typeface="Mongolian Baiti"/>
+        <a:font script="Viet" typeface="Times New Roman"/>
+        <a:font script="Uigh" typeface="Microsoft Uighur"/>
+        <a:font script="Geor" typeface="Sylfaen"/>
+      </a:majorFont>
+      <a:minorFont>
+        <a:latin typeface="Arial"/>
+        <a:ea typeface=""/>
+        <a:cs typeface=""/>
+        <a:font script="Jpan" typeface="ＭＳ Ｐゴシック"/>
+        <a:font script="Hang" typeface="맑은 고딕"/>
+        <a:font script="Hans" typeface="宋体"/>
+        <a:font script="Hant" typeface="新細明體"/>
+        <a:font script="Arab" typeface="Arial"/>
+        <a:font script="Hebr" typeface="Arial"/>
+        <a:font script="Thai" typeface="Cordia New"/>
+        <a:font script="Ethi" typeface="Nyala"/>
+        <a:font script="Beng" typeface="Vrinda"/>
+        <a:font script="Gujr" typeface="Shruti"/>
+        <a:font script="Khmr" typeface="DaunPenh"/>
+        <a:font script="Knda" typeface="Tunga"/>
+        <a:font script="Guru" typeface="Raavi"/>
+        <a:font script="Cans" typeface="Euphemia"/>
+        <a:font script="Cher" typeface="Plantagenet Cherokee"/>
+        <a:font script="Yiii" typeface="Microsoft Yi Baiti"/>
+        <a:font script="Tibt" typeface="Microsoft Himalaya"/>
+        <a:font script="Thaa" typeface="MV Boli"/>
+        <a:font script="Deva" typeface="Mangal"/>
+        <a:font script="Telu" typeface="Gautami"/>
+        <a:font script="Taml" typeface="Latha"/>
+        <a:font script="Syrc" typeface="Estrangelo Edessa"/>
+        <a:font script="Orya" typeface="Kalinga"/>
+        <a:font script="Mlym" typeface="Kartika"/>
+        <a:font script="Laoo" typeface="DokChampa"/>
+        <a:font script="Sinh" typeface="Iskoola Pota"/>
+        <a:font script="Mong" typeface="Mongolian Baiti"/>
+        <a:font script="Viet" typeface="Arial"/>
+        <a:font script="Uigh" typeface="Microsoft Uighur"/>
+        <a:font script="Geor" typeface="Sylfaen"/>
+      </a:minorFont>
+    </a:fontScheme>
+    <a:fmtScheme name="Office">
+      <a:fillStyleLst>
+        <a:solidFill>
+          <a:schemeClr val="phClr"/>
+        </a:solidFill>
+        <a:gradFill rotWithShape="1">
+          <a:gsLst>
+            <a:gs pos="0">
+              <a:schemeClr val="phClr">
+                <a:tint val="50000"/>
+                <a:satMod val="300000"/>
+              </a:schemeClr>
+            </a:gs>
+            <a:gs pos="35000">
+              <a:schemeClr val="phClr">
+                <a:tint val="37000"/>
+                <a:satMod val="300000"/>
+              </a:schemeClr>
+            </a:gs>
+            <a:gs pos="100000">
+              <a:schemeClr val="phClr">
+                <a:tint val="15000"/>
+                <a:satMod val="350000"/>
+              </a:schemeClr>
+            </a:gs>
+          </a:gsLst>
+          <a:lin ang="16200000" scaled="1"/>
+        </a:gradFill>
+        <a:gradFill rotWithShape="1">
+          <a:gsLst>
+            <a:gs pos="0">
+              <a:schemeClr val="phClr">
+                <a:tint val="100000"/>
+                <a:shade val="100000"/>
+                <a:satMod val="130000"/>
+              </a:schemeClr>
+            </a:gs>
+            <a:gs pos="100000">
+              <a:schemeClr val="phClr">
+                <a:tint val="50000"/>
+                <a:shade val="100000"/>
+                <a:satMod val="350000"/>
+              </a:schemeClr>
+            </a:gs>
+          </a:gsLst>
+          <a:lin ang="16200000" scaled="0"/>
+        </a:gradFill>
+      </a:fillStyleLst>
+      <a:lnStyleLst>
+        <a:ln w="9525" cap="flat" cmpd="sng" algn="ctr">
+          <a:solidFill>
+            <a:schemeClr val="phClr">
+              <a:shade val="95000"/>
+              <a:satMod val="105000"/>
+            </a:schemeClr>
+          </a:solidFill>
+          <a:prstDash val="solid"/>
+        </a:ln>
+        <a:ln w="25400" cap="flat" cmpd="sng" algn="ctr">
+          <a:solidFill>
+            <a:schemeClr val="phClr"/>
+          </a:solidFill>
+          <a:prstDash val="solid"/>
+        </a:ln>
+        <a:ln w="38100" cap="flat" cmpd="sng" algn="ctr">
+          <a:solidFill>
+            <a:schemeClr val="phClr"/>
+          </a:solidFill>
+          <a:prstDash val="solid"/>
+        </a:ln>
+      </a:lnStyleLst>
+      <a:effectStyleLst>
+        <a:effectStyle>
+          <a:effectLst>
+            <a:outerShdw blurRad="40000" dist="20000" dir="5400000" rotWithShape="0">
+              <a:srgbClr val="000000">
+                <a:alpha val="38000"/>
+              </a:srgbClr>
+            </a:outerShdw>
+          </a:effectLst>
+        </a:effectStyle>
+        <a:effectStyle>
+          <a:effectLst>
+            <a:outerShdw blurRad="40000" dist="23000" dir="5400000" rotWithShape="0">
+              <a:srgbClr val="000000">
+                <a:alpha val="35000"/>
+              </a:srgbClr>
+            </a:outerShdw>
+          </a:effectLst>
+        </a:effectStyle>
+        <a:effectStyle>
+          <a:effectLst>
+            <a:outerShdw blurRad="40000" dist="23000" dir="5400000" rotWithShape="0">
+              <a:srgbClr val="000000">
+                <a:alpha val="35000"/>
+              </a:srgbClr>
+            </a:outerShdw>
+          </a:effectLst>
+          <a:scene3d>
+            <a:camera prst="orthographicFront">
+              <a:rot lat="0" lon="0" rev="0"/>
+            </a:camera>
+            <a:lightRig rig="threePt" dir="t">
+              <a:rot lat="0" lon="0" rev="1200000"/>
+            </a:lightRig>
+          </a:scene3d>
+          <a:sp3d>
+            <a:bevelT w="63500" h="25400"/>
+          </a:sp3d>
+        </a:effectStyle>
+      </a:effectStyleLst>
+      <a:bgFillStyleLst>
+        <a:solidFill>
+          <a:schemeClr val="phClr"/>
+        </a:solidFill>
+        <a:gradFill rotWithShape="1">
+          <a:gsLst>
+            <a:gs pos="0">
+              <a:schemeClr val="phClr">
+                <a:tint val="40000"/>
+                <a:satMod val="350000"/>
+              </a:schemeClr>
+            </a:gs>
+            <a:gs pos="40000">
+              <a:schemeClr val="phClr">
+                <a:tint val="45000"/>
+                <a:shade val="99000"/>
+                <a:satMod val="350000"/>
+              </a:schemeClr>
+            </a:gs>
+            <a:gs pos="100000">
+              <a:schemeClr val="phClr">
+                <a:shade val="20000"/>
+                <a:satMod val="255000"/>
+              </a:schemeClr>
+            </a:gs>
+          </a:gsLst>
+          <a:path path="circle">
+            <a:fillToRect l="50000" t="-80000" r="50000" b="180000"/>
+          </a:path>
+        </a:gradFill>
+        <a:gradFill rotWithShape="1">
+          <a:gsLst>
+            <a:gs pos="0">
+              <a:schemeClr val="phClr">
+                <a:tint val="80000"/>
+                <a:satMod val="300000"/>
+              </a:schemeClr>
+            </a:gs>
+            <a:gs pos="100000">
+              <a:schemeClr val="phClr">
+                <a:shade val="30000"/>
+                <a:satMod val="200000"/>
+              </a:schemeClr>
+            </a:gs>
+          </a:gsLst>
+          <a:path path="circle">
+            <a:fillToRect l="50000" t="50000" r="50000" b="50000"/>
+          </a:path>
+        </a:gradFill>
+      </a:bgFillStyleLst>
+    </a:fmtScheme>
+  </a:themeElements>
+</a:theme>
+</file>
+
+<file path=ppt/theme/theme2.xml><?xml version="1.0" encoding="utf-8"?>
 <a:theme xmlns:a="http://schemas.openxmlformats.org/drawingml/2006/main" xmlns:r="http://schemas.openxmlformats.org/officeDocument/2006/relationships" name="TDC_PPT_Branded_1014-lite">
   <a:themeElements>
     <a:clrScheme name="TeradataPPT2014 2">
@@ -22305,283 +22278,4 @@
     </a:fmtScheme>
   </a:themeElements>
 </a:theme>
-</file>
-
-<file path=ppt/theme/theme2.xml><?xml version="1.0" encoding="utf-8"?>
-<a:theme xmlns:a="http://schemas.openxmlformats.org/drawingml/2006/main" xmlns:r="http://schemas.openxmlformats.org/officeDocument/2006/relationships" name="Custom Theme">
-  <a:themeElements>
-    <a:clrScheme name="Default">
-      <a:dk1>
-        <a:srgbClr val="000000"/>
-      </a:dk1>
-      <a:lt1>
-        <a:srgbClr val="FFFFFF"/>
-      </a:lt1>
-      <a:dk2>
-        <a:srgbClr val="158158"/>
-      </a:dk2>
-      <a:lt2>
-        <a:srgbClr val="F3F3F3"/>
-      </a:lt2>
-      <a:accent1>
-        <a:srgbClr val="058DC7"/>
-      </a:accent1>
-      <a:accent2>
-        <a:srgbClr val="50B432"/>
-      </a:accent2>
-      <a:accent3>
-        <a:srgbClr val="ED561B"/>
-      </a:accent3>
-      <a:accent4>
-        <a:srgbClr val="EDEF00"/>
-      </a:accent4>
-      <a:accent5>
-        <a:srgbClr val="24CBE5"/>
-      </a:accent5>
-      <a:accent6>
-        <a:srgbClr val="64E572"/>
-      </a:accent6>
-      <a:hlink>
-        <a:srgbClr val="2200CC"/>
-      </a:hlink>
-      <a:folHlink>
-        <a:srgbClr val="551A8B"/>
-      </a:folHlink>
-    </a:clrScheme>
-    <a:fontScheme name="Office">
-      <a:majorFont>
-        <a:latin typeface="Arial"/>
-        <a:ea typeface=""/>
-        <a:cs typeface=""/>
-        <a:font script="Jpan" typeface="ＭＳ Ｐゴシック"/>
-        <a:font script="Hang" typeface="맑은 고딕"/>
-        <a:font script="Hans" typeface="宋体"/>
-        <a:font script="Hant" typeface="新細明體"/>
-        <a:font script="Arab" typeface="Times New Roman"/>
-        <a:font script="Hebr" typeface="Times New Roman"/>
-        <a:font script="Thai" typeface="Angsana New"/>
-        <a:font script="Ethi" typeface="Nyala"/>
-        <a:font script="Beng" typeface="Vrinda"/>
-        <a:font script="Gujr" typeface="Shruti"/>
-        <a:font script="Khmr" typeface="MoolBoran"/>
-        <a:font script="Knda" typeface="Tunga"/>
-        <a:font script="Guru" typeface="Raavi"/>
-        <a:font script="Cans" typeface="Euphemia"/>
-        <a:font script="Cher" typeface="Plantagenet Cherokee"/>
-        <a:font script="Yiii" typeface="Microsoft Yi Baiti"/>
-        <a:font script="Tibt" typeface="Microsoft Himalaya"/>
-        <a:font script="Thaa" typeface="MV Boli"/>
-        <a:font script="Deva" typeface="Mangal"/>
-        <a:font script="Telu" typeface="Gautami"/>
-        <a:font script="Taml" typeface="Latha"/>
-        <a:font script="Syrc" typeface="Estrangelo Edessa"/>
-        <a:font script="Orya" typeface="Kalinga"/>
-        <a:font script="Mlym" typeface="Kartika"/>
-        <a:font script="Laoo" typeface="DokChampa"/>
-        <a:font script="Sinh" typeface="Iskoola Pota"/>
-        <a:font script="Mong" typeface="Mongolian Baiti"/>
-        <a:font script="Viet" typeface="Times New Roman"/>
-        <a:font script="Uigh" typeface="Microsoft Uighur"/>
-        <a:font script="Geor" typeface="Sylfaen"/>
-      </a:majorFont>
-      <a:minorFont>
-        <a:latin typeface="Arial"/>
-        <a:ea typeface=""/>
-        <a:cs typeface=""/>
-        <a:font script="Jpan" typeface="ＭＳ Ｐゴシック"/>
-        <a:font script="Hang" typeface="맑은 고딕"/>
-        <a:font script="Hans" typeface="宋体"/>
-        <a:font script="Hant" typeface="新細明體"/>
-        <a:font script="Arab" typeface="Arial"/>
-        <a:font script="Hebr" typeface="Arial"/>
-        <a:font script="Thai" typeface="Cordia New"/>
-        <a:font script="Ethi" typeface="Nyala"/>
-        <a:font script="Beng" typeface="Vrinda"/>
-        <a:font script="Gujr" typeface="Shruti"/>
-        <a:font script="Khmr" typeface="DaunPenh"/>
-        <a:font script="Knda" typeface="Tunga"/>
-        <a:font script="Guru" typeface="Raavi"/>
-        <a:font script="Cans" typeface="Euphemia"/>
-        <a:font script="Cher" typeface="Plantagenet Cherokee"/>
-        <a:font script="Yiii" typeface="Microsoft Yi Baiti"/>
-        <a:font script="Tibt" typeface="Microsoft Himalaya"/>
-        <a:font script="Thaa" typeface="MV Boli"/>
-        <a:font script="Deva" typeface="Mangal"/>
-        <a:font script="Telu" typeface="Gautami"/>
-        <a:font script="Taml" typeface="Latha"/>
-        <a:font script="Syrc" typeface="Estrangelo Edessa"/>
-        <a:font script="Orya" typeface="Kalinga"/>
-        <a:font script="Mlym" typeface="Kartika"/>
-        <a:font script="Laoo" typeface="DokChampa"/>
-        <a:font script="Sinh" typeface="Iskoola Pota"/>
-        <a:font script="Mong" typeface="Mongolian Baiti"/>
-        <a:font script="Viet" typeface="Arial"/>
-        <a:font script="Uigh" typeface="Microsoft Uighur"/>
-        <a:font script="Geor" typeface="Sylfaen"/>
-      </a:minorFont>
-    </a:fontScheme>
-    <a:fmtScheme name="Office">
-      <a:fillStyleLst>
-        <a:solidFill>
-          <a:schemeClr val="phClr"/>
-        </a:solidFill>
-        <a:gradFill rotWithShape="1">
-          <a:gsLst>
-            <a:gs pos="0">
-              <a:schemeClr val="phClr">
-                <a:tint val="50000"/>
-                <a:satMod val="300000"/>
-              </a:schemeClr>
-            </a:gs>
-            <a:gs pos="35000">
-              <a:schemeClr val="phClr">
-                <a:tint val="37000"/>
-                <a:satMod val="300000"/>
-              </a:schemeClr>
-            </a:gs>
-            <a:gs pos="100000">
-              <a:schemeClr val="phClr">
-                <a:tint val="15000"/>
-                <a:satMod val="350000"/>
-              </a:schemeClr>
-            </a:gs>
-          </a:gsLst>
-          <a:lin ang="16200000" scaled="1"/>
-        </a:gradFill>
-        <a:gradFill rotWithShape="1">
-          <a:gsLst>
-            <a:gs pos="0">
-              <a:schemeClr val="phClr">
-                <a:tint val="100000"/>
-                <a:shade val="100000"/>
-                <a:satMod val="130000"/>
-              </a:schemeClr>
-            </a:gs>
-            <a:gs pos="100000">
-              <a:schemeClr val="phClr">
-                <a:tint val="50000"/>
-                <a:shade val="100000"/>
-                <a:satMod val="350000"/>
-              </a:schemeClr>
-            </a:gs>
-          </a:gsLst>
-          <a:lin ang="16200000" scaled="0"/>
-        </a:gradFill>
-      </a:fillStyleLst>
-      <a:lnStyleLst>
-        <a:ln w="9525" cap="flat" cmpd="sng" algn="ctr">
-          <a:solidFill>
-            <a:schemeClr val="phClr">
-              <a:shade val="95000"/>
-              <a:satMod val="105000"/>
-            </a:schemeClr>
-          </a:solidFill>
-          <a:prstDash val="solid"/>
-        </a:ln>
-        <a:ln w="25400" cap="flat" cmpd="sng" algn="ctr">
-          <a:solidFill>
-            <a:schemeClr val="phClr"/>
-          </a:solidFill>
-          <a:prstDash val="solid"/>
-        </a:ln>
-        <a:ln w="38100" cap="flat" cmpd="sng" algn="ctr">
-          <a:solidFill>
-            <a:schemeClr val="phClr"/>
-          </a:solidFill>
-          <a:prstDash val="solid"/>
-        </a:ln>
-      </a:lnStyleLst>
-      <a:effectStyleLst>
-        <a:effectStyle>
-          <a:effectLst>
-            <a:outerShdw blurRad="40000" dist="20000" dir="5400000" rotWithShape="0">
-              <a:srgbClr val="000000">
-                <a:alpha val="38000"/>
-              </a:srgbClr>
-            </a:outerShdw>
-          </a:effectLst>
-        </a:effectStyle>
-        <a:effectStyle>
-          <a:effectLst>
-            <a:outerShdw blurRad="40000" dist="23000" dir="5400000" rotWithShape="0">
-              <a:srgbClr val="000000">
-                <a:alpha val="35000"/>
-              </a:srgbClr>
-            </a:outerShdw>
-          </a:effectLst>
-        </a:effectStyle>
-        <a:effectStyle>
-          <a:effectLst>
-            <a:outerShdw blurRad="40000" dist="23000" dir="5400000" rotWithShape="0">
-              <a:srgbClr val="000000">
-                <a:alpha val="35000"/>
-              </a:srgbClr>
-            </a:outerShdw>
-          </a:effectLst>
-          <a:scene3d>
-            <a:camera prst="orthographicFront">
-              <a:rot lat="0" lon="0" rev="0"/>
-            </a:camera>
-            <a:lightRig rig="threePt" dir="t">
-              <a:rot lat="0" lon="0" rev="1200000"/>
-            </a:lightRig>
-          </a:scene3d>
-          <a:sp3d>
-            <a:bevelT w="63500" h="25400"/>
-          </a:sp3d>
-        </a:effectStyle>
-      </a:effectStyleLst>
-      <a:bgFillStyleLst>
-        <a:solidFill>
-          <a:schemeClr val="phClr"/>
-        </a:solidFill>
-        <a:gradFill rotWithShape="1">
-          <a:gsLst>
-            <a:gs pos="0">
-              <a:schemeClr val="phClr">
-                <a:tint val="40000"/>
-                <a:satMod val="350000"/>
-              </a:schemeClr>
-            </a:gs>
-            <a:gs pos="40000">
-              <a:schemeClr val="phClr">
-                <a:tint val="45000"/>
-                <a:shade val="99000"/>
-                <a:satMod val="350000"/>
-              </a:schemeClr>
-            </a:gs>
-            <a:gs pos="100000">
-              <a:schemeClr val="phClr">
-                <a:shade val="20000"/>
-                <a:satMod val="255000"/>
-              </a:schemeClr>
-            </a:gs>
-          </a:gsLst>
-          <a:path path="circle">
-            <a:fillToRect l="50000" t="-80000" r="50000" b="180000"/>
-          </a:path>
-        </a:gradFill>
-        <a:gradFill rotWithShape="1">
-          <a:gsLst>
-            <a:gs pos="0">
-              <a:schemeClr val="phClr">
-                <a:tint val="80000"/>
-                <a:satMod val="300000"/>
-              </a:schemeClr>
-            </a:gs>
-            <a:gs pos="100000">
-              <a:schemeClr val="phClr">
-                <a:shade val="30000"/>
-                <a:satMod val="200000"/>
-              </a:schemeClr>
-            </a:gs>
-          </a:gsLst>
-          <a:path path="circle">
-            <a:fillToRect l="50000" t="50000" r="50000" b="50000"/>
-          </a:path>
-        </a:gradFill>
-      </a:bgFillStyleLst>
-    </a:fmtScheme>
-  </a:themeElements>
-</a:theme>
 </file>